--- a/Documentation/Interim Demo.pptx
+++ b/Documentation/Interim Demo.pptx
@@ -110,6 +110,11 @@
       </a:defRPr>
     </a:lvl9pPr>
   </p:defaultTextStyle>
+  <p:extLst>
+    <p:ext uri="{EFAFB233-063F-42B5-8137-9DF3F51BA10A}">
+      <p15:sldGuideLst xmlns:p15="http://schemas.microsoft.com/office/powerpoint/2012/main"/>
+    </p:ext>
+  </p:extLst>
 </p:presentation>
 </file>
 
@@ -300,9 +305,7 @@
               </c:spPr>
             </c:leaderLines>
             <c:extLst>
-              <c:ext xmlns:c15="http://schemas.microsoft.com/office/drawing/2012/chart" uri="{CE6537A1-D6FC-4f65-9D91-7224C49458BB}">
-                <c15:layout/>
-              </c:ext>
+              <c:ext xmlns:c15="http://schemas.microsoft.com/office/drawing/2012/chart" uri="{CE6537A1-D6FC-4f65-9D91-7224C49458BB}"/>
             </c:extLst>
           </c:dLbls>
           <c:cat>
@@ -326,10 +329,10 @@
                 <c:formatCode>General</c:formatCode>
                 <c:ptCount val="2"/>
                 <c:pt idx="0">
-                  <c:v>70</c:v>
+                  <c:v>60</c:v>
                 </c:pt>
                 <c:pt idx="1">
-                  <c:v>30</c:v>
+                  <c:v>40</c:v>
                 </c:pt>
               </c:numCache>
             </c:numRef>
@@ -7244,8 +7247,17 @@
           <a:p>
             <a:r>
               <a:rPr lang="en-US" sz="2400" dirty="0" smtClean="0"/>
-              <a:t>Performance evaluation of Algorithm</a:t>
-            </a:r>
+              <a:t>Performance evaluation of </a:t>
+            </a:r>
+            <a:r>
+              <a:rPr lang="en-US" sz="2400" dirty="0" smtClean="0"/>
+              <a:t>Algorithm </a:t>
+            </a:r>
+            <a:r>
+              <a:rPr lang="en-US" sz="1800" dirty="0" smtClean="0"/>
+              <a:t>(with unweighted graph)</a:t>
+            </a:r>
+            <a:endParaRPr lang="en-US" sz="2400" dirty="0" smtClean="0"/>
           </a:p>
           <a:p>
             <a:pPr lvl="2"/>
@@ -7274,13 +7286,13 @@
   <p:clrMapOvr>
     <a:masterClrMapping/>
   </p:clrMapOvr>
-  <mc:AlternateContent xmlns:mc="http://schemas.openxmlformats.org/markup-compatibility/2006">
-    <mc:Choice xmlns:p14="http://schemas.microsoft.com/office/powerpoint/2010/main" Requires="p14">
+  <mc:AlternateContent xmlns:mc="http://schemas.openxmlformats.org/markup-compatibility/2006" xmlns:p14="http://schemas.microsoft.com/office/powerpoint/2010/main">
+    <mc:Choice Requires="p14">
       <p:transition spd="med" p14:dur="700">
         <p:fade/>
       </p:transition>
     </mc:Choice>
-    <mc:Fallback>
+    <mc:Fallback xmlns="">
       <p:transition spd="med">
         <p:fade/>
       </p:transition>
@@ -7390,13 +7402,13 @@
   <p:clrMapOvr>
     <a:masterClrMapping/>
   </p:clrMapOvr>
-  <mc:AlternateContent xmlns:mc="http://schemas.openxmlformats.org/markup-compatibility/2006">
-    <mc:Choice xmlns:p14="http://schemas.microsoft.com/office/powerpoint/2010/main" Requires="p14">
+  <mc:AlternateContent xmlns:mc="http://schemas.openxmlformats.org/markup-compatibility/2006" xmlns:p14="http://schemas.microsoft.com/office/powerpoint/2010/main">
+    <mc:Choice Requires="p14">
       <p:transition spd="med" p14:dur="700">
         <p:fade/>
       </p:transition>
     </mc:Choice>
-    <mc:Fallback>
+    <mc:Fallback xmlns="">
       <p:transition spd="med">
         <p:fade/>
       </p:transition>
@@ -7506,13 +7518,13 @@
   <p:clrMapOvr>
     <a:masterClrMapping/>
   </p:clrMapOvr>
-  <mc:AlternateContent xmlns:mc="http://schemas.openxmlformats.org/markup-compatibility/2006">
-    <mc:Choice xmlns:p14="http://schemas.microsoft.com/office/powerpoint/2010/main" Requires="p14">
+  <mc:AlternateContent xmlns:mc="http://schemas.openxmlformats.org/markup-compatibility/2006" xmlns:p14="http://schemas.microsoft.com/office/powerpoint/2010/main">
+    <mc:Choice Requires="p14">
       <p:transition spd="med" p14:dur="700">
         <p:fade/>
       </p:transition>
     </mc:Choice>
-    <mc:Fallback>
+    <mc:Fallback xmlns="">
       <p:transition spd="med">
         <p:fade/>
       </p:transition>
@@ -10171,13 +10183,13 @@
   <p:clrMapOvr>
     <a:masterClrMapping/>
   </p:clrMapOvr>
-  <mc:AlternateContent xmlns:mc="http://schemas.openxmlformats.org/markup-compatibility/2006">
-    <mc:Choice xmlns:p14="http://schemas.microsoft.com/office/powerpoint/2010/main" Requires="p14">
+  <mc:AlternateContent xmlns:mc="http://schemas.openxmlformats.org/markup-compatibility/2006" xmlns:p14="http://schemas.microsoft.com/office/powerpoint/2010/main">
+    <mc:Choice Requires="p14">
       <p:transition spd="med" p14:dur="700">
         <p:fade/>
       </p:transition>
     </mc:Choice>
-    <mc:Fallback>
+    <mc:Fallback xmlns="">
       <p:transition spd="med">
         <p:fade/>
       </p:transition>
@@ -10245,62 +10257,158 @@
         </p:nvSpPr>
         <p:spPr>
           <a:xfrm>
-            <a:off x="913774" y="2241580"/>
-            <a:ext cx="5106026" cy="3424107"/>
+            <a:off x="570786" y="1633490"/>
+            <a:ext cx="5839845" cy="4657581"/>
           </a:xfrm>
         </p:spPr>
         <p:txBody>
           <a:bodyPr>
-            <a:normAutofit fontScale="92500" lnSpcReduction="20000"/>
+            <a:noAutofit/>
           </a:bodyPr>
           <a:lstStyle/>
           <a:p>
             <a:r>
-              <a:rPr lang="en-US" sz="2400" dirty="0" smtClean="0"/>
-              <a:t>Implementation</a:t>
-            </a:r>
+              <a:rPr lang="en-US" sz="1600" dirty="0" smtClean="0"/>
+              <a:t>Implementation </a:t>
+            </a:r>
+            <a:endParaRPr lang="en-US" sz="1600" dirty="0" smtClean="0"/>
           </a:p>
           <a:p>
             <a:pPr marL="0" indent="0">
               <a:buNone/>
             </a:pPr>
-            <a:endParaRPr lang="en-US" sz="2400" dirty="0" smtClean="0"/>
-          </a:p>
-          <a:p>
-            <a:r>
-              <a:rPr lang="en-US" sz="2400" dirty="0" smtClean="0"/>
-              <a:t>Run-time complexity analysis</a:t>
-            </a:r>
+            <a:endParaRPr lang="en-US" sz="1600" dirty="0" smtClean="0"/>
+          </a:p>
+          <a:p>
+            <a:r>
+              <a:rPr lang="en-US" sz="1600" dirty="0" smtClean="0"/>
+              <a:t>Run-time complexity </a:t>
+            </a:r>
+            <a:r>
+              <a:rPr lang="en-US" sz="1600" dirty="0" smtClean="0"/>
+              <a:t>analysis (with un-weighted graph)</a:t>
+            </a:r>
+            <a:endParaRPr lang="en-US" sz="1600" dirty="0" smtClean="0"/>
           </a:p>
           <a:p>
             <a:pPr marL="0" indent="0">
               <a:buNone/>
             </a:pPr>
-            <a:endParaRPr lang="en-US" sz="2400" dirty="0" smtClean="0"/>
-          </a:p>
-          <a:p>
-            <a:r>
-              <a:rPr lang="en-US" sz="2400" dirty="0" smtClean="0"/>
-              <a:t>Space Complexity analysis</a:t>
+            <a:endParaRPr lang="en-US" sz="1600" dirty="0" smtClean="0"/>
+          </a:p>
+          <a:p>
+            <a:r>
+              <a:rPr lang="en-US" sz="1600" dirty="0" smtClean="0"/>
+              <a:t>Space </a:t>
+            </a:r>
+            <a:r>
+              <a:rPr lang="en-US" sz="1600" dirty="0"/>
+              <a:t>Complexity </a:t>
+            </a:r>
+            <a:r>
+              <a:rPr lang="en-US" sz="1600" dirty="0" smtClean="0"/>
+              <a:t>analysis  (</a:t>
+            </a:r>
+            <a:r>
+              <a:rPr lang="en-US" sz="1600" dirty="0"/>
+              <a:t>with un-weighted graph</a:t>
+            </a:r>
+            <a:r>
+              <a:rPr lang="en-US" sz="1600" dirty="0" smtClean="0"/>
+              <a:t>)</a:t>
+            </a:r>
+          </a:p>
+          <a:p>
+            <a:endParaRPr lang="en-US" sz="1600" dirty="0" smtClean="0"/>
+          </a:p>
+          <a:p>
+            <a:r>
+              <a:rPr lang="en-US" sz="1600" dirty="0" smtClean="0"/>
+              <a:t>Validation of </a:t>
+            </a:r>
+            <a:r>
+              <a:rPr lang="en-US" sz="1600" dirty="0" smtClean="0"/>
+              <a:t>output</a:t>
             </a:r>
           </a:p>
           <a:p>
             <a:pPr marL="0" indent="0">
               <a:buNone/>
             </a:pPr>
-            <a:endParaRPr lang="en-US" sz="2400" dirty="0" smtClean="0"/>
-          </a:p>
-          <a:p>
-            <a:r>
-              <a:rPr lang="en-US" sz="2400" dirty="0" smtClean="0"/>
-              <a:t>Validation of output</a:t>
-            </a:r>
+            <a:endParaRPr lang="en-US" sz="1600" dirty="0" smtClean="0"/>
+          </a:p>
+          <a:p>
+            <a:r>
+              <a:rPr lang="en-US" sz="1600" dirty="0"/>
+              <a:t>Run-time complexity </a:t>
+            </a:r>
+            <a:r>
+              <a:rPr lang="en-US" sz="1600" dirty="0" smtClean="0"/>
+              <a:t>analysis (</a:t>
+            </a:r>
+            <a:r>
+              <a:rPr lang="en-US" sz="1600" dirty="0"/>
+              <a:t>with </a:t>
+            </a:r>
+            <a:r>
+              <a:rPr lang="en-US" sz="1600" dirty="0" smtClean="0"/>
+              <a:t>weighted </a:t>
+            </a:r>
+            <a:r>
+              <a:rPr lang="en-US" sz="1600" dirty="0"/>
+              <a:t>graph</a:t>
+            </a:r>
+            <a:r>
+              <a:rPr lang="en-US" sz="1600" dirty="0" smtClean="0"/>
+              <a:t>)</a:t>
+            </a:r>
+            <a:endParaRPr lang="en-US" sz="1600" dirty="0"/>
           </a:p>
           <a:p>
             <a:pPr marL="0" indent="0">
               <a:buNone/>
             </a:pPr>
-            <a:endParaRPr lang="en-US" dirty="0"/>
+            <a:endParaRPr lang="en-US" sz="1600" dirty="0"/>
+          </a:p>
+          <a:p>
+            <a:r>
+              <a:rPr lang="en-US" sz="1600" dirty="0"/>
+              <a:t>Space Complexity </a:t>
+            </a:r>
+            <a:r>
+              <a:rPr lang="en-US" sz="1600" dirty="0" smtClean="0"/>
+              <a:t>analysis  </a:t>
+            </a:r>
+            <a:r>
+              <a:rPr lang="en-US" sz="1600" dirty="0"/>
+              <a:t>(with </a:t>
+            </a:r>
+            <a:r>
+              <a:rPr lang="en-US" sz="1600" dirty="0" smtClean="0"/>
+              <a:t>weighted </a:t>
+            </a:r>
+            <a:r>
+              <a:rPr lang="en-US" sz="1600" dirty="0"/>
+              <a:t>graph)</a:t>
+            </a:r>
+          </a:p>
+          <a:p>
+            <a:pPr marL="0" indent="0">
+              <a:buNone/>
+            </a:pPr>
+            <a:endParaRPr lang="en-US" sz="1600" dirty="0"/>
+          </a:p>
+          <a:p>
+            <a:endParaRPr lang="en-US" sz="1600" dirty="0" smtClean="0"/>
+          </a:p>
+          <a:p>
+            <a:endParaRPr lang="en-US" sz="1600" dirty="0" smtClean="0"/>
+          </a:p>
+          <a:p>
+            <a:pPr marL="0" indent="0">
+              <a:buNone/>
+            </a:pPr>
+            <a:endParaRPr lang="en-US" sz="1600" dirty="0"/>
           </a:p>
         </p:txBody>
       </p:sp>
@@ -10314,7 +10422,7 @@
             <p:ph sz="quarter" idx="14"/>
             <p:extLst>
               <p:ext uri="{D42A27DB-BD31-4B8C-83A1-F6EECF244321}">
-                <p14:modId xmlns:p14="http://schemas.microsoft.com/office/powerpoint/2010/main" val="4036293784"/>
+                <p14:modId xmlns:p14="http://schemas.microsoft.com/office/powerpoint/2010/main" val="4188055539"/>
               </p:ext>
             </p:extLst>
           </p:nvPr>
@@ -10351,38 +10459,8 @@
         </p:blipFill>
         <p:spPr>
           <a:xfrm>
-            <a:off x="620988" y="2214694"/>
-            <a:ext cx="585572" cy="575187"/>
-          </a:xfrm>
-          <a:prstGeom prst="rect">
-            <a:avLst/>
-          </a:prstGeom>
-        </p:spPr>
-      </p:pic>
-      <p:pic>
-        <p:nvPicPr>
-          <p:cNvPr id="9" name="Picture 8" descr="Check Mark &lt;strong&gt;Tick&lt;/strong&gt; · Free vector graphic on Pixabay"/>
-          <p:cNvPicPr>
-            <a:picLocks noChangeAspect="1"/>
-          </p:cNvPicPr>
-          <p:nvPr/>
-        </p:nvPicPr>
-        <p:blipFill>
-          <a:blip r:embed="rId3">
-            <a:extLst>
-              <a:ext uri="{28A0092B-C50C-407E-A947-70E740481C1C}">
-                <a14:useLocalDpi xmlns:a14="http://schemas.microsoft.com/office/drawing/2010/main" val="0"/>
-              </a:ext>
-            </a:extLst>
-          </a:blip>
-          <a:stretch>
-            <a:fillRect/>
-          </a:stretch>
-        </p:blipFill>
-        <p:spPr>
-          <a:xfrm>
-            <a:off x="570787" y="4244960"/>
-            <a:ext cx="585572" cy="575187"/>
+            <a:off x="463452" y="1542547"/>
+            <a:ext cx="450323" cy="442336"/>
           </a:xfrm>
           <a:prstGeom prst="rect">
             <a:avLst/>
@@ -10411,14 +10489,188 @@
         </p:blipFill>
         <p:spPr>
           <a:xfrm>
-            <a:off x="544788" y="3239682"/>
-            <a:ext cx="585572" cy="575187"/>
+            <a:off x="434249" y="2343705"/>
+            <a:ext cx="429324" cy="421710"/>
           </a:xfrm>
           <a:prstGeom prst="rect">
             <a:avLst/>
           </a:prstGeom>
         </p:spPr>
       </p:pic>
+      <p:pic>
+        <p:nvPicPr>
+          <p:cNvPr id="12" name="Picture 11" descr="Check Mark &lt;strong&gt;Tick&lt;/strong&gt; · Free vector graphic on Pixabay"/>
+          <p:cNvPicPr>
+            <a:picLocks noChangeAspect="1"/>
+          </p:cNvPicPr>
+          <p:nvPr/>
+        </p:nvPicPr>
+        <p:blipFill>
+          <a:blip r:embed="rId3">
+            <a:extLst>
+              <a:ext uri="{28A0092B-C50C-407E-A947-70E740481C1C}">
+                <a14:useLocalDpi xmlns:a14="http://schemas.microsoft.com/office/drawing/2010/main" val="0"/>
+              </a:ext>
+            </a:extLst>
+          </a:blip>
+          <a:stretch>
+            <a:fillRect/>
+          </a:stretch>
+        </p:blipFill>
+        <p:spPr>
+          <a:xfrm>
+            <a:off x="413250" y="3111644"/>
+            <a:ext cx="450323" cy="442336"/>
+          </a:xfrm>
+          <a:prstGeom prst="rect">
+            <a:avLst/>
+          </a:prstGeom>
+        </p:spPr>
+      </p:pic>
+      <p:sp>
+        <p:nvSpPr>
+          <p:cNvPr id="5" name="Oval 4"/>
+          <p:cNvSpPr/>
+          <p:nvPr/>
+        </p:nvSpPr>
+        <p:spPr>
+          <a:xfrm>
+            <a:off x="633984" y="4194048"/>
+            <a:ext cx="134112" cy="207264"/>
+          </a:xfrm>
+          <a:prstGeom prst="ellipse">
+            <a:avLst/>
+          </a:prstGeom>
+          <a:solidFill>
+            <a:srgbClr val="FF0000"/>
+          </a:solidFill>
+          <a:ln>
+            <a:solidFill>
+              <a:srgbClr val="FF0000"/>
+            </a:solidFill>
+          </a:ln>
+        </p:spPr>
+        <p:style>
+          <a:lnRef idx="2">
+            <a:schemeClr val="accent1">
+              <a:shade val="50000"/>
+            </a:schemeClr>
+          </a:lnRef>
+          <a:fillRef idx="1">
+            <a:schemeClr val="accent1"/>
+          </a:fillRef>
+          <a:effectRef idx="0">
+            <a:schemeClr val="accent1"/>
+          </a:effectRef>
+          <a:fontRef idx="minor">
+            <a:schemeClr val="lt1"/>
+          </a:fontRef>
+        </p:style>
+        <p:txBody>
+          <a:bodyPr rtlCol="0" anchor="ctr"/>
+          <a:lstStyle/>
+          <a:p>
+            <a:pPr algn="ctr"/>
+            <a:endParaRPr lang="en-US"/>
+          </a:p>
+        </p:txBody>
+      </p:sp>
+      <p:sp>
+        <p:nvSpPr>
+          <p:cNvPr id="13" name="Oval 12"/>
+          <p:cNvSpPr/>
+          <p:nvPr/>
+        </p:nvSpPr>
+        <p:spPr>
+          <a:xfrm>
+            <a:off x="619733" y="5106930"/>
+            <a:ext cx="134112" cy="207264"/>
+          </a:xfrm>
+          <a:prstGeom prst="ellipse">
+            <a:avLst/>
+          </a:prstGeom>
+          <a:solidFill>
+            <a:srgbClr val="FF0000"/>
+          </a:solidFill>
+          <a:ln>
+            <a:solidFill>
+              <a:srgbClr val="FF0000"/>
+            </a:solidFill>
+          </a:ln>
+        </p:spPr>
+        <p:style>
+          <a:lnRef idx="2">
+            <a:schemeClr val="accent1">
+              <a:shade val="50000"/>
+            </a:schemeClr>
+          </a:lnRef>
+          <a:fillRef idx="1">
+            <a:schemeClr val="accent1"/>
+          </a:fillRef>
+          <a:effectRef idx="0">
+            <a:schemeClr val="accent1"/>
+          </a:effectRef>
+          <a:fontRef idx="minor">
+            <a:schemeClr val="lt1"/>
+          </a:fontRef>
+        </p:style>
+        <p:txBody>
+          <a:bodyPr rtlCol="0" anchor="ctr"/>
+          <a:lstStyle/>
+          <a:p>
+            <a:pPr algn="ctr"/>
+            <a:endParaRPr lang="en-US"/>
+          </a:p>
+        </p:txBody>
+      </p:sp>
+      <p:sp>
+        <p:nvSpPr>
+          <p:cNvPr id="14" name="Oval 13"/>
+          <p:cNvSpPr/>
+          <p:nvPr/>
+        </p:nvSpPr>
+        <p:spPr>
+          <a:xfrm>
+            <a:off x="633984" y="5925312"/>
+            <a:ext cx="134112" cy="207264"/>
+          </a:xfrm>
+          <a:prstGeom prst="ellipse">
+            <a:avLst/>
+          </a:prstGeom>
+          <a:solidFill>
+            <a:srgbClr val="FF0000"/>
+          </a:solidFill>
+          <a:ln>
+            <a:solidFill>
+              <a:srgbClr val="FF0000"/>
+            </a:solidFill>
+          </a:ln>
+        </p:spPr>
+        <p:style>
+          <a:lnRef idx="2">
+            <a:schemeClr val="accent1">
+              <a:shade val="50000"/>
+            </a:schemeClr>
+          </a:lnRef>
+          <a:fillRef idx="1">
+            <a:schemeClr val="accent1"/>
+          </a:fillRef>
+          <a:effectRef idx="0">
+            <a:schemeClr val="accent1"/>
+          </a:effectRef>
+          <a:fontRef idx="minor">
+            <a:schemeClr val="lt1"/>
+          </a:fontRef>
+        </p:style>
+        <p:txBody>
+          <a:bodyPr rtlCol="0" anchor="ctr"/>
+          <a:lstStyle/>
+          <a:p>
+            <a:pPr algn="ctr"/>
+            <a:endParaRPr lang="en-US"/>
+          </a:p>
+        </p:txBody>
+      </p:sp>
     </p:spTree>
     <p:extLst>
       <p:ext uri="{BB962C8B-B14F-4D97-AF65-F5344CB8AC3E}">
@@ -10429,13 +10681,13 @@
   <p:clrMapOvr>
     <a:masterClrMapping/>
   </p:clrMapOvr>
-  <mc:AlternateContent xmlns:mc="http://schemas.openxmlformats.org/markup-compatibility/2006">
-    <mc:Choice xmlns:p14="http://schemas.microsoft.com/office/powerpoint/2010/main" Requires="p14">
+  <mc:AlternateContent xmlns:mc="http://schemas.openxmlformats.org/markup-compatibility/2006" xmlns:p14="http://schemas.microsoft.com/office/powerpoint/2010/main">
+    <mc:Choice Requires="p14">
       <p:transition spd="med" p14:dur="700">
         <p:fade/>
       </p:transition>
     </mc:Choice>
-    <mc:Fallback>
+    <mc:Fallback xmlns="">
       <p:transition spd="med">
         <p:fade/>
       </p:transition>
@@ -10645,14 +10897,36 @@
                             </p:stCondLst>
                             <p:childTnLst>
                               <p:par>
-                                <p:cTn id="20" presetID="6" presetClass="emph" presetSubtype="0" fill="hold" grpId="0" nodeType="clickEffect">
+                                <p:cTn id="20" presetID="10" presetClass="entr" presetSubtype="0" fill="hold" grpId="0" nodeType="clickEffect">
                                   <p:stCondLst>
                                     <p:cond delay="0"/>
                                   </p:stCondLst>
                                   <p:childTnLst>
-                                    <p:animScale>
+                                    <p:set>
                                       <p:cBhvr>
-                                        <p:cTn id="21" dur="2000" fill="hold"/>
+                                        <p:cTn id="21" dur="1" fill="hold">
+                                          <p:stCondLst>
+                                            <p:cond delay="0"/>
+                                          </p:stCondLst>
+                                        </p:cTn>
+                                        <p:tgtEl>
+                                          <p:spTgt spid="3">
+                                            <p:txEl>
+                                              <p:pRg st="6" end="6"/>
+                                            </p:txEl>
+                                          </p:spTgt>
+                                        </p:tgtEl>
+                                        <p:attrNameLst>
+                                          <p:attrName>style.visibility</p:attrName>
+                                        </p:attrNameLst>
+                                      </p:cBhvr>
+                                      <p:to>
+                                        <p:strVal val="visible"/>
+                                      </p:to>
+                                    </p:set>
+                                    <p:animEffect transition="in" filter="fade">
+                                      <p:cBhvr>
+                                        <p:cTn id="22" dur="500"/>
                                         <p:tgtEl>
                                           <p:spTgt spid="3">
                                             <p:txEl>
@@ -10661,8 +10935,7 @@
                                           </p:spTgt>
                                         </p:tgtEl>
                                       </p:cBhvr>
-                                      <p:by x="150000" y="150000"/>
-                                    </p:animScale>
+                                    </p:animEffect>
                                   </p:childTnLst>
                                 </p:cTn>
                               </p:par>
@@ -10673,26 +10946,148 @@
                     </p:cTn>
                   </p:par>
                   <p:par>
-                    <p:cTn id="22" fill="hold">
+                    <p:cTn id="23" fill="hold">
                       <p:stCondLst>
                         <p:cond delay="indefinite"/>
                       </p:stCondLst>
                       <p:childTnLst>
                         <p:par>
-                          <p:cTn id="23" fill="hold">
+                          <p:cTn id="24" fill="hold">
                             <p:stCondLst>
                               <p:cond delay="0"/>
                             </p:stCondLst>
                             <p:childTnLst>
                               <p:par>
-                                <p:cTn id="24" presetID="1" presetClass="entr" presetSubtype="0" fill="hold" nodeType="clickEffect">
+                                <p:cTn id="25" presetID="10" presetClass="entr" presetSubtype="0" fill="hold" grpId="0" nodeType="clickEffect">
                                   <p:stCondLst>
                                     <p:cond delay="0"/>
                                   </p:stCondLst>
                                   <p:childTnLst>
                                     <p:set>
                                       <p:cBhvr>
-                                        <p:cTn id="25" dur="1" fill="hold">
+                                        <p:cTn id="26" dur="1" fill="hold">
+                                          <p:stCondLst>
+                                            <p:cond delay="0"/>
+                                          </p:stCondLst>
+                                        </p:cTn>
+                                        <p:tgtEl>
+                                          <p:spTgt spid="3">
+                                            <p:txEl>
+                                              <p:pRg st="8" end="8"/>
+                                            </p:txEl>
+                                          </p:spTgt>
+                                        </p:tgtEl>
+                                        <p:attrNameLst>
+                                          <p:attrName>style.visibility</p:attrName>
+                                        </p:attrNameLst>
+                                      </p:cBhvr>
+                                      <p:to>
+                                        <p:strVal val="visible"/>
+                                      </p:to>
+                                    </p:set>
+                                    <p:animEffect transition="in" filter="fade">
+                                      <p:cBhvr>
+                                        <p:cTn id="27" dur="500"/>
+                                        <p:tgtEl>
+                                          <p:spTgt spid="3">
+                                            <p:txEl>
+                                              <p:pRg st="8" end="8"/>
+                                            </p:txEl>
+                                          </p:spTgt>
+                                        </p:tgtEl>
+                                      </p:cBhvr>
+                                    </p:animEffect>
+                                  </p:childTnLst>
+                                </p:cTn>
+                              </p:par>
+                            </p:childTnLst>
+                          </p:cTn>
+                        </p:par>
+                      </p:childTnLst>
+                    </p:cTn>
+                  </p:par>
+                  <p:par>
+                    <p:cTn id="28" fill="hold">
+                      <p:stCondLst>
+                        <p:cond delay="indefinite"/>
+                      </p:stCondLst>
+                      <p:childTnLst>
+                        <p:par>
+                          <p:cTn id="29" fill="hold">
+                            <p:stCondLst>
+                              <p:cond delay="0"/>
+                            </p:stCondLst>
+                            <p:childTnLst>
+                              <p:par>
+                                <p:cTn id="30" presetID="10" presetClass="entr" presetSubtype="0" fill="hold" grpId="0" nodeType="clickEffect">
+                                  <p:stCondLst>
+                                    <p:cond delay="0"/>
+                                  </p:stCondLst>
+                                  <p:childTnLst>
+                                    <p:set>
+                                      <p:cBhvr>
+                                        <p:cTn id="31" dur="1" fill="hold">
+                                          <p:stCondLst>
+                                            <p:cond delay="0"/>
+                                          </p:stCondLst>
+                                        </p:cTn>
+                                        <p:tgtEl>
+                                          <p:spTgt spid="3">
+                                            <p:txEl>
+                                              <p:pRg st="10" end="10"/>
+                                            </p:txEl>
+                                          </p:spTgt>
+                                        </p:tgtEl>
+                                        <p:attrNameLst>
+                                          <p:attrName>style.visibility</p:attrName>
+                                        </p:attrNameLst>
+                                      </p:cBhvr>
+                                      <p:to>
+                                        <p:strVal val="visible"/>
+                                      </p:to>
+                                    </p:set>
+                                    <p:animEffect transition="in" filter="fade">
+                                      <p:cBhvr>
+                                        <p:cTn id="32" dur="500"/>
+                                        <p:tgtEl>
+                                          <p:spTgt spid="3">
+                                            <p:txEl>
+                                              <p:pRg st="10" end="10"/>
+                                            </p:txEl>
+                                          </p:spTgt>
+                                        </p:tgtEl>
+                                      </p:cBhvr>
+                                    </p:animEffect>
+                                  </p:childTnLst>
+                                </p:cTn>
+                              </p:par>
+                            </p:childTnLst>
+                          </p:cTn>
+                        </p:par>
+                      </p:childTnLst>
+                    </p:cTn>
+                  </p:par>
+                  <p:par>
+                    <p:cTn id="33" fill="hold">
+                      <p:stCondLst>
+                        <p:cond delay="indefinite"/>
+                      </p:stCondLst>
+                      <p:childTnLst>
+                        <p:par>
+                          <p:cTn id="34" fill="hold">
+                            <p:stCondLst>
+                              <p:cond delay="0"/>
+                            </p:stCondLst>
+                            <p:childTnLst>
+                              <p:par>
+                                <p:cTn id="35" presetID="1" presetClass="entr" presetSubtype="0" fill="hold" nodeType="clickEffect">
+                                  <p:stCondLst>
+                                    <p:cond delay="0"/>
+                                  </p:stCondLst>
+                                  <p:childTnLst>
+                                    <p:set>
+                                      <p:cBhvr>
+                                        <p:cTn id="36" dur="1" fill="hold">
                                           <p:stCondLst>
                                             <p:cond delay="0"/>
                                           </p:stCondLst>
@@ -10718,26 +11113,26 @@
                     </p:cTn>
                   </p:par>
                   <p:par>
-                    <p:cTn id="26" fill="hold">
+                    <p:cTn id="37" fill="hold">
                       <p:stCondLst>
                         <p:cond delay="indefinite"/>
                       </p:stCondLst>
                       <p:childTnLst>
                         <p:par>
-                          <p:cTn id="27" fill="hold">
+                          <p:cTn id="38" fill="hold">
                             <p:stCondLst>
                               <p:cond delay="0"/>
                             </p:stCondLst>
                             <p:childTnLst>
                               <p:par>
-                                <p:cTn id="28" presetID="1" presetClass="entr" presetSubtype="0" fill="hold" nodeType="clickEffect">
+                                <p:cTn id="39" presetID="1" presetClass="entr" presetSubtype="0" fill="hold" nodeType="clickEffect">
                                   <p:stCondLst>
                                     <p:cond delay="0"/>
                                   </p:stCondLst>
                                   <p:childTnLst>
                                     <p:set>
                                       <p:cBhvr>
-                                        <p:cTn id="29" dur="1" fill="hold">
+                                        <p:cTn id="40" dur="1" fill="hold">
                                           <p:stCondLst>
                                             <p:cond delay="0"/>
                                           </p:stCondLst>
@@ -10763,32 +11158,32 @@
                     </p:cTn>
                   </p:par>
                   <p:par>
-                    <p:cTn id="30" fill="hold">
+                    <p:cTn id="41" fill="hold">
                       <p:stCondLst>
                         <p:cond delay="indefinite"/>
                       </p:stCondLst>
                       <p:childTnLst>
                         <p:par>
-                          <p:cTn id="31" fill="hold">
+                          <p:cTn id="42" fill="hold">
                             <p:stCondLst>
                               <p:cond delay="0"/>
                             </p:stCondLst>
                             <p:childTnLst>
                               <p:par>
-                                <p:cTn id="32" presetID="1" presetClass="entr" presetSubtype="0" fill="hold" nodeType="clickEffect">
+                                <p:cTn id="43" presetID="1" presetClass="entr" presetSubtype="0" fill="hold" nodeType="clickEffect">
                                   <p:stCondLst>
                                     <p:cond delay="0"/>
                                   </p:stCondLst>
                                   <p:childTnLst>
                                     <p:set>
                                       <p:cBhvr>
-                                        <p:cTn id="33" dur="1" fill="hold">
+                                        <p:cTn id="44" dur="1" fill="hold">
                                           <p:stCondLst>
                                             <p:cond delay="0"/>
                                           </p:stCondLst>
                                         </p:cTn>
                                         <p:tgtEl>
-                                          <p:spTgt spid="9"/>
+                                          <p:spTgt spid="12"/>
                                         </p:tgtEl>
                                         <p:attrNameLst>
                                           <p:attrName>style.visibility</p:attrName>
@@ -10808,26 +11203,161 @@
                     </p:cTn>
                   </p:par>
                   <p:par>
-                    <p:cTn id="34" fill="hold">
+                    <p:cTn id="45" fill="hold">
                       <p:stCondLst>
                         <p:cond delay="indefinite"/>
                       </p:stCondLst>
                       <p:childTnLst>
                         <p:par>
-                          <p:cTn id="35" fill="hold">
+                          <p:cTn id="46" fill="hold">
                             <p:stCondLst>
                               <p:cond delay="0"/>
                             </p:stCondLst>
                             <p:childTnLst>
                               <p:par>
-                                <p:cTn id="36" presetID="22" presetClass="entr" presetSubtype="4" fill="hold" grpId="0" nodeType="clickEffect">
+                                <p:cTn id="47" presetID="1" presetClass="entr" presetSubtype="0" fill="hold" grpId="0" nodeType="clickEffect">
                                   <p:stCondLst>
                                     <p:cond delay="0"/>
                                   </p:stCondLst>
                                   <p:childTnLst>
                                     <p:set>
                                       <p:cBhvr>
-                                        <p:cTn id="37" dur="1" fill="hold">
+                                        <p:cTn id="48" dur="1" fill="hold">
+                                          <p:stCondLst>
+                                            <p:cond delay="0"/>
+                                          </p:stCondLst>
+                                        </p:cTn>
+                                        <p:tgtEl>
+                                          <p:spTgt spid="5"/>
+                                        </p:tgtEl>
+                                        <p:attrNameLst>
+                                          <p:attrName>style.visibility</p:attrName>
+                                        </p:attrNameLst>
+                                      </p:cBhvr>
+                                      <p:to>
+                                        <p:strVal val="visible"/>
+                                      </p:to>
+                                    </p:set>
+                                  </p:childTnLst>
+                                </p:cTn>
+                              </p:par>
+                            </p:childTnLst>
+                          </p:cTn>
+                        </p:par>
+                      </p:childTnLst>
+                    </p:cTn>
+                  </p:par>
+                  <p:par>
+                    <p:cTn id="49" fill="hold">
+                      <p:stCondLst>
+                        <p:cond delay="indefinite"/>
+                      </p:stCondLst>
+                      <p:childTnLst>
+                        <p:par>
+                          <p:cTn id="50" fill="hold">
+                            <p:stCondLst>
+                              <p:cond delay="0"/>
+                            </p:stCondLst>
+                            <p:childTnLst>
+                              <p:par>
+                                <p:cTn id="51" presetID="1" presetClass="entr" presetSubtype="0" fill="hold" grpId="0" nodeType="clickEffect">
+                                  <p:stCondLst>
+                                    <p:cond delay="0"/>
+                                  </p:stCondLst>
+                                  <p:childTnLst>
+                                    <p:set>
+                                      <p:cBhvr>
+                                        <p:cTn id="52" dur="1" fill="hold">
+                                          <p:stCondLst>
+                                            <p:cond delay="0"/>
+                                          </p:stCondLst>
+                                        </p:cTn>
+                                        <p:tgtEl>
+                                          <p:spTgt spid="13"/>
+                                        </p:tgtEl>
+                                        <p:attrNameLst>
+                                          <p:attrName>style.visibility</p:attrName>
+                                        </p:attrNameLst>
+                                      </p:cBhvr>
+                                      <p:to>
+                                        <p:strVal val="visible"/>
+                                      </p:to>
+                                    </p:set>
+                                  </p:childTnLst>
+                                </p:cTn>
+                              </p:par>
+                            </p:childTnLst>
+                          </p:cTn>
+                        </p:par>
+                      </p:childTnLst>
+                    </p:cTn>
+                  </p:par>
+                  <p:par>
+                    <p:cTn id="53" fill="hold">
+                      <p:stCondLst>
+                        <p:cond delay="indefinite"/>
+                      </p:stCondLst>
+                      <p:childTnLst>
+                        <p:par>
+                          <p:cTn id="54" fill="hold">
+                            <p:stCondLst>
+                              <p:cond delay="0"/>
+                            </p:stCondLst>
+                            <p:childTnLst>
+                              <p:par>
+                                <p:cTn id="55" presetID="1" presetClass="entr" presetSubtype="0" fill="hold" grpId="0" nodeType="clickEffect">
+                                  <p:stCondLst>
+                                    <p:cond delay="0"/>
+                                  </p:stCondLst>
+                                  <p:childTnLst>
+                                    <p:set>
+                                      <p:cBhvr>
+                                        <p:cTn id="56" dur="1" fill="hold">
+                                          <p:stCondLst>
+                                            <p:cond delay="0"/>
+                                          </p:stCondLst>
+                                        </p:cTn>
+                                        <p:tgtEl>
+                                          <p:spTgt spid="14"/>
+                                        </p:tgtEl>
+                                        <p:attrNameLst>
+                                          <p:attrName>style.visibility</p:attrName>
+                                        </p:attrNameLst>
+                                      </p:cBhvr>
+                                      <p:to>
+                                        <p:strVal val="visible"/>
+                                      </p:to>
+                                    </p:set>
+                                  </p:childTnLst>
+                                </p:cTn>
+                              </p:par>
+                            </p:childTnLst>
+                          </p:cTn>
+                        </p:par>
+                      </p:childTnLst>
+                    </p:cTn>
+                  </p:par>
+                  <p:par>
+                    <p:cTn id="57" fill="hold">
+                      <p:stCondLst>
+                        <p:cond delay="indefinite"/>
+                      </p:stCondLst>
+                      <p:childTnLst>
+                        <p:par>
+                          <p:cTn id="58" fill="hold">
+                            <p:stCondLst>
+                              <p:cond delay="0"/>
+                            </p:stCondLst>
+                            <p:childTnLst>
+                              <p:par>
+                                <p:cTn id="59" presetID="6" presetClass="entr" presetSubtype="16" fill="hold" grpId="0" nodeType="clickEffect">
+                                  <p:stCondLst>
+                                    <p:cond delay="0"/>
+                                  </p:stCondLst>
+                                  <p:childTnLst>
+                                    <p:set>
+                                      <p:cBhvr>
+                                        <p:cTn id="60" dur="1" fill="hold">
                                           <p:stCondLst>
                                             <p:cond delay="0"/>
                                           </p:stCondLst>
@@ -10843,9 +11373,9 @@
                                         <p:strVal val="visible"/>
                                       </p:to>
                                     </p:set>
-                                    <p:animEffect transition="in" filter="wipe(down)">
+                                    <p:animEffect transition="in" filter="circle(in)">
                                       <p:cBhvr>
-                                        <p:cTn id="38" dur="500"/>
+                                        <p:cTn id="61" dur="2000"/>
                                         <p:tgtEl>
                                           <p:spTgt spid="7"/>
                                         </p:tgtEl>
@@ -10886,6 +11416,9 @@
       <p:bldGraphic spid="7" grpId="0">
         <p:bldAsOne/>
       </p:bldGraphic>
+      <p:bldP spid="5" grpId="0" animBg="1"/>
+      <p:bldP spid="13" grpId="0" animBg="1"/>
+      <p:bldP spid="14" grpId="0" animBg="1"/>
     </p:bldLst>
   </p:timing>
 </p:sld>
@@ -11571,13 +12104,13 @@
   <p:clrMapOvr>
     <a:masterClrMapping/>
   </p:clrMapOvr>
-  <mc:AlternateContent xmlns:mc="http://schemas.openxmlformats.org/markup-compatibility/2006">
-    <mc:Choice xmlns:p14="http://schemas.microsoft.com/office/powerpoint/2010/main" Requires="p14">
+  <mc:AlternateContent xmlns:mc="http://schemas.openxmlformats.org/markup-compatibility/2006" xmlns:p14="http://schemas.microsoft.com/office/powerpoint/2010/main">
+    <mc:Choice Requires="p14">
       <p:transition spd="med" p14:dur="700">
         <p:fade/>
       </p:transition>
     </mc:Choice>
-    <mc:Fallback>
+    <mc:Fallback xmlns="">
       <p:transition spd="med">
         <p:fade/>
       </p:transition>

--- a/Documentation/Interim Demo.pptx
+++ b/Documentation/Interim Demo.pptx
@@ -1147,7 +1147,7 @@
           <a:p>
             <a:fld id="{48A87A34-81AB-432B-8DAE-1953F412C126}" type="datetimeFigureOut">
               <a:rPr lang="en-US" smtClean="0"/>
-              <a:t>6/4/2020</a:t>
+              <a:t>6/9/2020</a:t>
             </a:fld>
             <a:endParaRPr lang="en-US" dirty="0"/>
           </a:p>
@@ -1459,7 +1459,7 @@
           <a:p>
             <a:fld id="{48A87A34-81AB-432B-8DAE-1953F412C126}" type="datetimeFigureOut">
               <a:rPr lang="en-US" smtClean="0"/>
-              <a:t>6/4/2020</a:t>
+              <a:t>6/9/2020</a:t>
             </a:fld>
             <a:endParaRPr lang="en-US" dirty="0"/>
           </a:p>
@@ -1681,7 +1681,7 @@
           <a:p>
             <a:fld id="{48A87A34-81AB-432B-8DAE-1953F412C126}" type="datetimeFigureOut">
               <a:rPr lang="en-US" smtClean="0"/>
-              <a:t>6/4/2020</a:t>
+              <a:t>6/9/2020</a:t>
             </a:fld>
             <a:endParaRPr lang="en-US" dirty="0"/>
           </a:p>
@@ -1972,7 +1972,7 @@
           <a:p>
             <a:fld id="{48A87A34-81AB-432B-8DAE-1953F412C126}" type="datetimeFigureOut">
               <a:rPr lang="en-US" smtClean="0"/>
-              <a:t>6/4/2020</a:t>
+              <a:t>6/9/2020</a:t>
             </a:fld>
             <a:endParaRPr lang="en-US" dirty="0"/>
           </a:p>
@@ -2426,7 +2426,7 @@
           <a:p>
             <a:fld id="{48A87A34-81AB-432B-8DAE-1953F412C126}" type="datetimeFigureOut">
               <a:rPr lang="en-US" smtClean="0"/>
-              <a:t>6/4/2020</a:t>
+              <a:t>6/9/2020</a:t>
             </a:fld>
             <a:endParaRPr lang="en-US" dirty="0"/>
           </a:p>
@@ -3002,7 +3002,7 @@
           <a:p>
             <a:fld id="{48A87A34-81AB-432B-8DAE-1953F412C126}" type="datetimeFigureOut">
               <a:rPr lang="en-US" smtClean="0"/>
-              <a:t>6/4/2020</a:t>
+              <a:t>6/9/2020</a:t>
             </a:fld>
             <a:endParaRPr lang="en-US" dirty="0"/>
           </a:p>
@@ -3854,7 +3854,7 @@
           <a:p>
             <a:fld id="{48A87A34-81AB-432B-8DAE-1953F412C126}" type="datetimeFigureOut">
               <a:rPr lang="en-US" smtClean="0"/>
-              <a:t>6/4/2020</a:t>
+              <a:t>6/9/2020</a:t>
             </a:fld>
             <a:endParaRPr lang="en-US" dirty="0"/>
           </a:p>
@@ -4059,7 +4059,7 @@
           <a:p>
             <a:fld id="{48A87A34-81AB-432B-8DAE-1953F412C126}" type="datetimeFigureOut">
               <a:rPr lang="en-US" smtClean="0"/>
-              <a:t>6/4/2020</a:t>
+              <a:t>6/9/2020</a:t>
             </a:fld>
             <a:endParaRPr lang="en-US" dirty="0"/>
           </a:p>
@@ -4273,7 +4273,7 @@
           <a:p>
             <a:fld id="{48A87A34-81AB-432B-8DAE-1953F412C126}" type="datetimeFigureOut">
               <a:rPr lang="en-US" smtClean="0"/>
-              <a:t>6/4/2020</a:t>
+              <a:t>6/9/2020</a:t>
             </a:fld>
             <a:endParaRPr lang="en-US" dirty="0"/>
           </a:p>
@@ -4478,7 +4478,7 @@
           <a:p>
             <a:fld id="{48A87A34-81AB-432B-8DAE-1953F412C126}" type="datetimeFigureOut">
               <a:rPr lang="en-US" smtClean="0"/>
-              <a:t>6/4/2020</a:t>
+              <a:t>6/9/2020</a:t>
             </a:fld>
             <a:endParaRPr lang="en-US" dirty="0"/>
           </a:p>
@@ -4758,7 +4758,7 @@
           <a:p>
             <a:fld id="{48A87A34-81AB-432B-8DAE-1953F412C126}" type="datetimeFigureOut">
               <a:rPr lang="en-US" smtClean="0"/>
-              <a:t>6/4/2020</a:t>
+              <a:t>6/9/2020</a:t>
             </a:fld>
             <a:endParaRPr lang="en-US" dirty="0"/>
           </a:p>
@@ -5025,7 +5025,7 @@
           <a:p>
             <a:fld id="{48A87A34-81AB-432B-8DAE-1953F412C126}" type="datetimeFigureOut">
               <a:rPr lang="en-US" smtClean="0"/>
-              <a:t>6/4/2020</a:t>
+              <a:t>6/9/2020</a:t>
             </a:fld>
             <a:endParaRPr lang="en-US" dirty="0"/>
           </a:p>
@@ -5440,7 +5440,7 @@
           <a:p>
             <a:fld id="{48A87A34-81AB-432B-8DAE-1953F412C126}" type="datetimeFigureOut">
               <a:rPr lang="en-US" smtClean="0"/>
-              <a:t>6/4/2020</a:t>
+              <a:t>6/9/2020</a:t>
             </a:fld>
             <a:endParaRPr lang="en-US" dirty="0"/>
           </a:p>
@@ -5588,7 +5588,7 @@
           <a:p>
             <a:fld id="{48A87A34-81AB-432B-8DAE-1953F412C126}" type="datetimeFigureOut">
               <a:rPr lang="en-US" smtClean="0"/>
-              <a:t>6/4/2020</a:t>
+              <a:t>6/9/2020</a:t>
             </a:fld>
             <a:endParaRPr lang="en-US" dirty="0"/>
           </a:p>
@@ -5713,7 +5713,7 @@
           <a:p>
             <a:fld id="{48A87A34-81AB-432B-8DAE-1953F412C126}" type="datetimeFigureOut">
               <a:rPr lang="en-US" smtClean="0"/>
-              <a:t>6/4/2020</a:t>
+              <a:t>6/9/2020</a:t>
             </a:fld>
             <a:endParaRPr lang="en-US" dirty="0"/>
           </a:p>
@@ -5992,7 +5992,7 @@
           <a:p>
             <a:fld id="{48A87A34-81AB-432B-8DAE-1953F412C126}" type="datetimeFigureOut">
               <a:rPr lang="en-US" smtClean="0"/>
-              <a:t>6/4/2020</a:t>
+              <a:t>6/9/2020</a:t>
             </a:fld>
             <a:endParaRPr lang="en-US" dirty="0"/>
           </a:p>
@@ -6304,7 +6304,7 @@
           <a:p>
             <a:fld id="{48A87A34-81AB-432B-8DAE-1953F412C126}" type="datetimeFigureOut">
               <a:rPr lang="en-US" smtClean="0"/>
-              <a:t>6/4/2020</a:t>
+              <a:t>6/9/2020</a:t>
             </a:fld>
             <a:endParaRPr lang="en-US" dirty="0"/>
           </a:p>
@@ -6558,7 +6558,7 @@
             <a:fld id="{48A87A34-81AB-432B-8DAE-1953F412C126}" type="datetimeFigureOut">
               <a:rPr lang="en-US" smtClean="0"/>
               <a:pPr/>
-              <a:t>6/4/2020</a:t>
+              <a:t>6/9/2020</a:t>
             </a:fld>
             <a:endParaRPr lang="en-US" dirty="0"/>
           </a:p>
@@ -7247,11 +7247,7 @@
           <a:p>
             <a:r>
               <a:rPr lang="en-US" sz="2400" dirty="0" smtClean="0"/>
-              <a:t>Performance evaluation of </a:t>
-            </a:r>
-            <a:r>
-              <a:rPr lang="en-US" sz="2400" dirty="0" smtClean="0"/>
-              <a:t>Algorithm </a:t>
+              <a:t>Performance evaluation of Algorithm </a:t>
             </a:r>
             <a:r>
               <a:rPr lang="en-US" sz="1800" dirty="0" smtClean="0"/>
@@ -7557,2622 +7553,182 @@
           <a:chExt cx="0" cy="0"/>
         </a:xfrm>
       </p:grpSpPr>
-      <p:graphicFrame>
-        <p:nvGraphicFramePr>
-          <p:cNvPr id="3" name="Table 2"/>
-          <p:cNvGraphicFramePr>
-            <a:graphicFrameLocks noGrp="1"/>
-          </p:cNvGraphicFramePr>
-          <p:nvPr>
-            <p:extLst>
-              <p:ext uri="{D42A27DB-BD31-4B8C-83A1-F6EECF244321}">
-                <p14:modId xmlns:p14="http://schemas.microsoft.com/office/powerpoint/2010/main" val="2203800317"/>
-              </p:ext>
-            </p:extLst>
-          </p:nvPr>
-        </p:nvGraphicFramePr>
-        <p:xfrm>
-          <a:off x="1179871" y="727592"/>
-          <a:ext cx="9222660" cy="5653542"/>
-        </p:xfrm>
-        <a:graphic>
-          <a:graphicData uri="http://schemas.openxmlformats.org/drawingml/2006/table">
-            <a:tbl>
-              <a:tblPr firstRow="1" firstCol="1" bandRow="1"/>
-              <a:tblGrid>
-                <a:gridCol w="2945142">
-                  <a:extLst>
-                    <a:ext uri="{9D8B030D-6E8A-4147-A177-3AD203B41FA5}">
-                      <a16:colId xmlns:a16="http://schemas.microsoft.com/office/drawing/2014/main" val="1238115750"/>
-                    </a:ext>
-                  </a:extLst>
-                </a:gridCol>
-                <a:gridCol w="3498897">
-                  <a:extLst>
-                    <a:ext uri="{9D8B030D-6E8A-4147-A177-3AD203B41FA5}">
-                      <a16:colId xmlns:a16="http://schemas.microsoft.com/office/drawing/2014/main" val="727709301"/>
-                    </a:ext>
-                  </a:extLst>
-                </a:gridCol>
-                <a:gridCol w="2778621">
-                  <a:extLst>
-                    <a:ext uri="{9D8B030D-6E8A-4147-A177-3AD203B41FA5}">
-                      <a16:colId xmlns:a16="http://schemas.microsoft.com/office/drawing/2014/main" val="1025529988"/>
-                    </a:ext>
-                  </a:extLst>
-                </a:gridCol>
-              </a:tblGrid>
-              <a:tr h="807650">
-                <a:tc>
-                  <a:txBody>
-                    <a:bodyPr/>
-                    <a:lstStyle/>
-                    <a:p>
-                      <a:pPr marL="0" marR="0" algn="ctr">
-                        <a:lnSpc>
-                          <a:spcPct val="150000"/>
-                        </a:lnSpc>
-                        <a:spcBef>
-                          <a:spcPts val="0"/>
-                        </a:spcBef>
-                        <a:spcAft>
-                          <a:spcPts val="0"/>
-                        </a:spcAft>
-                      </a:pPr>
-                      <a:r>
-                        <a:rPr lang="en-US" sz="1600" dirty="0">
-                          <a:solidFill>
-                            <a:srgbClr val="FFFFFF"/>
-                          </a:solidFill>
-                          <a:effectLst/>
-                          <a:latin typeface="Times New Roman" panose="02020603050405020304" pitchFamily="18" charset="0"/>
-                          <a:ea typeface="Calibri" panose="020F0502020204030204" pitchFamily="34" charset="0"/>
-                          <a:cs typeface="Arial" panose="020B0604020202020204" pitchFamily="34" charset="0"/>
-                        </a:rPr>
-                        <a:t>Step No.</a:t>
-                      </a:r>
-                      <a:endParaRPr lang="en-US" sz="1200" dirty="0">
-                        <a:effectLst/>
-                        <a:latin typeface="Calibri" panose="020F0502020204030204" pitchFamily="34" charset="0"/>
-                        <a:ea typeface="Calibri" panose="020F0502020204030204" pitchFamily="34" charset="0"/>
-                        <a:cs typeface="Arial" panose="020B0604020202020204" pitchFamily="34" charset="0"/>
-                      </a:endParaRPr>
-                    </a:p>
-                  </a:txBody>
-                  <a:tcPr marL="61147" marR="61147" marT="0" marB="0">
-                    <a:lnL w="12700" cap="flat" cmpd="sng" algn="ctr">
-                      <a:solidFill>
-                        <a:srgbClr val="000000"/>
-                      </a:solidFill>
-                      <a:prstDash val="solid"/>
-                      <a:round/>
-                      <a:headEnd type="none" w="med" len="med"/>
-                      <a:tailEnd type="none" w="med" len="med"/>
-                    </a:lnL>
-                    <a:lnR>
-                      <a:noFill/>
-                    </a:lnR>
-                    <a:lnT w="12700" cap="flat" cmpd="sng" algn="ctr">
-                      <a:solidFill>
-                        <a:srgbClr val="000000"/>
-                      </a:solidFill>
-                      <a:prstDash val="solid"/>
-                      <a:round/>
-                      <a:headEnd type="none" w="med" len="med"/>
-                      <a:tailEnd type="none" w="med" len="med"/>
-                    </a:lnT>
-                    <a:lnB w="12700" cap="flat" cmpd="sng" algn="ctr">
-                      <a:solidFill>
-                        <a:srgbClr val="000000"/>
-                      </a:solidFill>
-                      <a:prstDash val="solid"/>
-                      <a:round/>
-                      <a:headEnd type="none" w="med" len="med"/>
-                      <a:tailEnd type="none" w="med" len="med"/>
-                    </a:lnB>
-                    <a:solidFill>
-                      <a:srgbClr val="000000"/>
-                    </a:solidFill>
-                  </a:tcPr>
-                </a:tc>
-                <a:tc>
-                  <a:txBody>
-                    <a:bodyPr/>
-                    <a:lstStyle/>
-                    <a:p>
-                      <a:pPr marL="0" marR="0" algn="ctr">
-                        <a:lnSpc>
-                          <a:spcPct val="150000"/>
-                        </a:lnSpc>
-                        <a:spcBef>
-                          <a:spcPts val="0"/>
-                        </a:spcBef>
-                        <a:spcAft>
-                          <a:spcPts val="0"/>
-                        </a:spcAft>
-                      </a:pPr>
-                      <a:r>
-                        <a:rPr lang="en-US" sz="1600">
-                          <a:solidFill>
-                            <a:srgbClr val="FFFFFF"/>
-                          </a:solidFill>
-                          <a:effectLst/>
-                          <a:latin typeface="Times New Roman" panose="02020603050405020304" pitchFamily="18" charset="0"/>
-                          <a:ea typeface="Calibri" panose="020F0502020204030204" pitchFamily="34" charset="0"/>
-                          <a:cs typeface="Arial" panose="020B0604020202020204" pitchFamily="34" charset="0"/>
-                        </a:rPr>
-                        <a:t>Run Time Complexity</a:t>
-                      </a:r>
-                      <a:endParaRPr lang="en-US" sz="1200">
-                        <a:effectLst/>
-                        <a:latin typeface="Calibri" panose="020F0502020204030204" pitchFamily="34" charset="0"/>
-                        <a:ea typeface="Calibri" panose="020F0502020204030204" pitchFamily="34" charset="0"/>
-                        <a:cs typeface="Arial" panose="020B0604020202020204" pitchFamily="34" charset="0"/>
-                      </a:endParaRPr>
-                    </a:p>
-                  </a:txBody>
-                  <a:tcPr marL="61147" marR="61147" marT="0" marB="0">
-                    <a:lnL>
-                      <a:noFill/>
-                    </a:lnL>
-                    <a:lnR>
-                      <a:noFill/>
-                    </a:lnR>
-                    <a:lnT w="12700" cap="flat" cmpd="sng" algn="ctr">
-                      <a:solidFill>
-                        <a:srgbClr val="000000"/>
-                      </a:solidFill>
-                      <a:prstDash val="solid"/>
-                      <a:round/>
-                      <a:headEnd type="none" w="med" len="med"/>
-                      <a:tailEnd type="none" w="med" len="med"/>
-                    </a:lnT>
-                    <a:lnB w="12700" cap="flat" cmpd="sng" algn="ctr">
-                      <a:solidFill>
-                        <a:srgbClr val="000000"/>
-                      </a:solidFill>
-                      <a:prstDash val="solid"/>
-                      <a:round/>
-                      <a:headEnd type="none" w="med" len="med"/>
-                      <a:tailEnd type="none" w="med" len="med"/>
-                    </a:lnB>
-                    <a:solidFill>
-                      <a:srgbClr val="000000"/>
-                    </a:solidFill>
-                  </a:tcPr>
-                </a:tc>
-                <a:tc>
-                  <a:txBody>
-                    <a:bodyPr/>
-                    <a:lstStyle/>
-                    <a:p>
-                      <a:pPr marL="0" marR="0" algn="ctr">
-                        <a:lnSpc>
-                          <a:spcPct val="150000"/>
-                        </a:lnSpc>
-                        <a:spcBef>
-                          <a:spcPts val="0"/>
-                        </a:spcBef>
-                        <a:spcAft>
-                          <a:spcPts val="0"/>
-                        </a:spcAft>
-                      </a:pPr>
-                      <a:r>
-                        <a:rPr lang="en-US" sz="1600">
-                          <a:solidFill>
-                            <a:srgbClr val="FFFFFF"/>
-                          </a:solidFill>
-                          <a:effectLst/>
-                          <a:latin typeface="Times New Roman" panose="02020603050405020304" pitchFamily="18" charset="0"/>
-                          <a:ea typeface="Calibri" panose="020F0502020204030204" pitchFamily="34" charset="0"/>
-                          <a:cs typeface="Arial" panose="020B0604020202020204" pitchFamily="34" charset="0"/>
-                        </a:rPr>
-                        <a:t>Space Complexity </a:t>
-                      </a:r>
-                      <a:r>
-                        <a:rPr lang="en-US" sz="1600" b="1">
-                          <a:solidFill>
-                            <a:srgbClr val="FFFFFF"/>
-                          </a:solidFill>
-                          <a:effectLst/>
-                          <a:latin typeface="Times New Roman" panose="02020603050405020304" pitchFamily="18" charset="0"/>
-                          <a:ea typeface="Calibri" panose="020F0502020204030204" pitchFamily="34" charset="0"/>
-                          <a:cs typeface="Arial" panose="020B0604020202020204" pitchFamily="34" charset="0"/>
-                        </a:rPr>
-                        <a:t>(words)</a:t>
-                      </a:r>
-                      <a:endParaRPr lang="en-US" sz="1200">
-                        <a:effectLst/>
-                        <a:latin typeface="Calibri" panose="020F0502020204030204" pitchFamily="34" charset="0"/>
-                        <a:ea typeface="Calibri" panose="020F0502020204030204" pitchFamily="34" charset="0"/>
-                        <a:cs typeface="Arial" panose="020B0604020202020204" pitchFamily="34" charset="0"/>
-                      </a:endParaRPr>
-                    </a:p>
-                  </a:txBody>
-                  <a:tcPr marL="61147" marR="61147" marT="0" marB="0">
-                    <a:lnL>
-                      <a:noFill/>
-                    </a:lnL>
-                    <a:lnR w="12700" cap="flat" cmpd="sng" algn="ctr">
-                      <a:solidFill>
-                        <a:srgbClr val="000000"/>
-                      </a:solidFill>
-                      <a:prstDash val="solid"/>
-                      <a:round/>
-                      <a:headEnd type="none" w="med" len="med"/>
-                      <a:tailEnd type="none" w="med" len="med"/>
-                    </a:lnR>
-                    <a:lnT w="12700" cap="flat" cmpd="sng" algn="ctr">
-                      <a:solidFill>
-                        <a:srgbClr val="000000"/>
-                      </a:solidFill>
-                      <a:prstDash val="solid"/>
-                      <a:round/>
-                      <a:headEnd type="none" w="med" len="med"/>
-                      <a:tailEnd type="none" w="med" len="med"/>
-                    </a:lnT>
-                    <a:lnB w="12700" cap="flat" cmpd="sng" algn="ctr">
-                      <a:solidFill>
-                        <a:srgbClr val="000000"/>
-                      </a:solidFill>
-                      <a:prstDash val="solid"/>
-                      <a:round/>
-                      <a:headEnd type="none" w="med" len="med"/>
-                      <a:tailEnd type="none" w="med" len="med"/>
-                    </a:lnB>
-                    <a:solidFill>
-                      <a:srgbClr val="000000"/>
-                    </a:solidFill>
-                  </a:tcPr>
-                </a:tc>
-                <a:extLst>
-                  <a:ext uri="{0D108BD9-81ED-4DB2-BD59-A6C34878D82A}">
-                    <a16:rowId xmlns:a16="http://schemas.microsoft.com/office/drawing/2014/main" val="1019475601"/>
-                  </a:ext>
-                </a:extLst>
-              </a:tr>
-              <a:tr h="403824">
-                <a:tc>
-                  <a:txBody>
-                    <a:bodyPr/>
-                    <a:lstStyle/>
-                    <a:p>
-                      <a:pPr marL="0" marR="0" algn="ctr">
-                        <a:lnSpc>
-                          <a:spcPct val="150000"/>
-                        </a:lnSpc>
-                        <a:spcBef>
-                          <a:spcPts val="0"/>
-                        </a:spcBef>
-                        <a:spcAft>
-                          <a:spcPts val="0"/>
-                        </a:spcAft>
-                      </a:pPr>
-                      <a:r>
-                        <a:rPr lang="en-US" sz="1600" b="1" dirty="0">
-                          <a:effectLst/>
-                          <a:latin typeface="Times New Roman" panose="02020603050405020304" pitchFamily="18" charset="0"/>
-                          <a:ea typeface="Calibri" panose="020F0502020204030204" pitchFamily="34" charset="0"/>
-                          <a:cs typeface="Arial" panose="020B0604020202020204" pitchFamily="34" charset="0"/>
-                        </a:rPr>
-                        <a:t>1</a:t>
-                      </a:r>
-                      <a:endParaRPr lang="en-US" sz="1200" dirty="0">
-                        <a:effectLst/>
-                        <a:latin typeface="Calibri" panose="020F0502020204030204" pitchFamily="34" charset="0"/>
-                        <a:ea typeface="Calibri" panose="020F0502020204030204" pitchFamily="34" charset="0"/>
-                        <a:cs typeface="Arial" panose="020B0604020202020204" pitchFamily="34" charset="0"/>
-                      </a:endParaRPr>
-                    </a:p>
-                  </a:txBody>
-                  <a:tcPr marL="61147" marR="61147" marT="0" marB="0">
-                    <a:lnL w="12700" cap="flat" cmpd="sng" algn="ctr">
-                      <a:solidFill>
-                        <a:srgbClr val="666666"/>
-                      </a:solidFill>
-                      <a:prstDash val="solid"/>
-                      <a:round/>
-                      <a:headEnd type="none" w="med" len="med"/>
-                      <a:tailEnd type="none" w="med" len="med"/>
-                    </a:lnL>
-                    <a:lnR w="12700" cap="flat" cmpd="sng" algn="ctr">
-                      <a:solidFill>
-                        <a:srgbClr val="666666"/>
-                      </a:solidFill>
-                      <a:prstDash val="solid"/>
-                      <a:round/>
-                      <a:headEnd type="none" w="med" len="med"/>
-                      <a:tailEnd type="none" w="med" len="med"/>
-                    </a:lnR>
-                    <a:lnT w="12700" cap="flat" cmpd="sng" algn="ctr">
-                      <a:solidFill>
-                        <a:srgbClr val="000000"/>
-                      </a:solidFill>
-                      <a:prstDash val="solid"/>
-                      <a:round/>
-                      <a:headEnd type="none" w="med" len="med"/>
-                      <a:tailEnd type="none" w="med" len="med"/>
-                    </a:lnT>
-                    <a:lnB w="12700" cap="flat" cmpd="sng" algn="ctr">
-                      <a:solidFill>
-                        <a:srgbClr val="666666"/>
-                      </a:solidFill>
-                      <a:prstDash val="solid"/>
-                      <a:round/>
-                      <a:headEnd type="none" w="med" len="med"/>
-                      <a:tailEnd type="none" w="med" len="med"/>
-                    </a:lnB>
-                    <a:solidFill>
-                      <a:srgbClr val="FFFFFF"/>
-                    </a:solidFill>
-                  </a:tcPr>
-                </a:tc>
-                <a:tc>
-                  <a:txBody>
-                    <a:bodyPr/>
-                    <a:lstStyle/>
-                    <a:p>
-                      <a:pPr marL="0" marR="0" algn="ctr">
-                        <a:lnSpc>
-                          <a:spcPct val="150000"/>
-                        </a:lnSpc>
-                        <a:spcBef>
-                          <a:spcPts val="0"/>
-                        </a:spcBef>
-                        <a:spcAft>
-                          <a:spcPts val="0"/>
-                        </a:spcAft>
-                      </a:pPr>
-                      <a:r>
-                        <a:rPr lang="en-US" sz="1600">
-                          <a:effectLst/>
-                          <a:latin typeface="Times New Roman" panose="02020603050405020304" pitchFamily="18" charset="0"/>
-                          <a:ea typeface="Calibri" panose="020F0502020204030204" pitchFamily="34" charset="0"/>
-                          <a:cs typeface="Arial" panose="020B0604020202020204" pitchFamily="34" charset="0"/>
-                        </a:rPr>
-                        <a:t>O(1)</a:t>
-                      </a:r>
-                      <a:endParaRPr lang="en-US" sz="1200">
-                        <a:effectLst/>
-                        <a:latin typeface="Calibri" panose="020F0502020204030204" pitchFamily="34" charset="0"/>
-                        <a:ea typeface="Calibri" panose="020F0502020204030204" pitchFamily="34" charset="0"/>
-                        <a:cs typeface="Arial" panose="020B0604020202020204" pitchFamily="34" charset="0"/>
-                      </a:endParaRPr>
-                    </a:p>
-                  </a:txBody>
-                  <a:tcPr marL="61147" marR="61147" marT="0" marB="0">
-                    <a:lnL w="12700" cap="flat" cmpd="sng" algn="ctr">
-                      <a:solidFill>
-                        <a:srgbClr val="666666"/>
-                      </a:solidFill>
-                      <a:prstDash val="solid"/>
-                      <a:round/>
-                      <a:headEnd type="none" w="med" len="med"/>
-                      <a:tailEnd type="none" w="med" len="med"/>
-                    </a:lnL>
-                    <a:lnR w="12700" cap="flat" cmpd="sng" algn="ctr">
-                      <a:solidFill>
-                        <a:srgbClr val="666666"/>
-                      </a:solidFill>
-                      <a:prstDash val="solid"/>
-                      <a:round/>
-                      <a:headEnd type="none" w="med" len="med"/>
-                      <a:tailEnd type="none" w="med" len="med"/>
-                    </a:lnR>
-                    <a:lnT w="12700" cap="flat" cmpd="sng" algn="ctr">
-                      <a:solidFill>
-                        <a:srgbClr val="000000"/>
-                      </a:solidFill>
-                      <a:prstDash val="solid"/>
-                      <a:round/>
-                      <a:headEnd type="none" w="med" len="med"/>
-                      <a:tailEnd type="none" w="med" len="med"/>
-                    </a:lnT>
-                    <a:lnB w="12700" cap="flat" cmpd="sng" algn="ctr">
-                      <a:solidFill>
-                        <a:srgbClr val="666666"/>
-                      </a:solidFill>
-                      <a:prstDash val="solid"/>
-                      <a:round/>
-                      <a:headEnd type="none" w="med" len="med"/>
-                      <a:tailEnd type="none" w="med" len="med"/>
-                    </a:lnB>
-                    <a:solidFill>
-                      <a:srgbClr val="FFFFFF"/>
-                    </a:solidFill>
-                  </a:tcPr>
-                </a:tc>
-                <a:tc>
-                  <a:txBody>
-                    <a:bodyPr/>
-                    <a:lstStyle/>
-                    <a:p>
-                      <a:pPr marL="0" marR="0" algn="ctr">
-                        <a:lnSpc>
-                          <a:spcPct val="150000"/>
-                        </a:lnSpc>
-                        <a:spcBef>
-                          <a:spcPts val="0"/>
-                        </a:spcBef>
-                        <a:spcAft>
-                          <a:spcPts val="0"/>
-                        </a:spcAft>
-                      </a:pPr>
-                      <a:r>
-                        <a:rPr lang="en-US" sz="1600">
-                          <a:effectLst/>
-                          <a:latin typeface="Times New Roman" panose="02020603050405020304" pitchFamily="18" charset="0"/>
-                          <a:ea typeface="Calibri" panose="020F0502020204030204" pitchFamily="34" charset="0"/>
-                          <a:cs typeface="Arial" panose="020B0604020202020204" pitchFamily="34" charset="0"/>
-                        </a:rPr>
-                        <a:t>18</a:t>
-                      </a:r>
-                      <a:endParaRPr lang="en-US" sz="1200">
-                        <a:effectLst/>
-                        <a:latin typeface="Calibri" panose="020F0502020204030204" pitchFamily="34" charset="0"/>
-                        <a:ea typeface="Calibri" panose="020F0502020204030204" pitchFamily="34" charset="0"/>
-                        <a:cs typeface="Arial" panose="020B0604020202020204" pitchFamily="34" charset="0"/>
-                      </a:endParaRPr>
-                    </a:p>
-                  </a:txBody>
-                  <a:tcPr marL="61147" marR="61147" marT="0" marB="0">
-                    <a:lnL w="12700" cap="flat" cmpd="sng" algn="ctr">
-                      <a:solidFill>
-                        <a:srgbClr val="666666"/>
-                      </a:solidFill>
-                      <a:prstDash val="solid"/>
-                      <a:round/>
-                      <a:headEnd type="none" w="med" len="med"/>
-                      <a:tailEnd type="none" w="med" len="med"/>
-                    </a:lnL>
-                    <a:lnR w="12700" cap="flat" cmpd="sng" algn="ctr">
-                      <a:solidFill>
-                        <a:srgbClr val="666666"/>
-                      </a:solidFill>
-                      <a:prstDash val="solid"/>
-                      <a:round/>
-                      <a:headEnd type="none" w="med" len="med"/>
-                      <a:tailEnd type="none" w="med" len="med"/>
-                    </a:lnR>
-                    <a:lnT w="12700" cap="flat" cmpd="sng" algn="ctr">
-                      <a:solidFill>
-                        <a:srgbClr val="000000"/>
-                      </a:solidFill>
-                      <a:prstDash val="solid"/>
-                      <a:round/>
-                      <a:headEnd type="none" w="med" len="med"/>
-                      <a:tailEnd type="none" w="med" len="med"/>
-                    </a:lnT>
-                    <a:lnB w="12700" cap="flat" cmpd="sng" algn="ctr">
-                      <a:solidFill>
-                        <a:srgbClr val="666666"/>
-                      </a:solidFill>
-                      <a:prstDash val="solid"/>
-                      <a:round/>
-                      <a:headEnd type="none" w="med" len="med"/>
-                      <a:tailEnd type="none" w="med" len="med"/>
-                    </a:lnB>
-                    <a:solidFill>
-                      <a:srgbClr val="FFFFFF"/>
-                    </a:solidFill>
-                  </a:tcPr>
-                </a:tc>
-                <a:extLst>
-                  <a:ext uri="{0D108BD9-81ED-4DB2-BD59-A6C34878D82A}">
-                    <a16:rowId xmlns:a16="http://schemas.microsoft.com/office/drawing/2014/main" val="255923718"/>
-                  </a:ext>
-                </a:extLst>
-              </a:tr>
-              <a:tr h="403824">
-                <a:tc>
-                  <a:txBody>
-                    <a:bodyPr/>
-                    <a:lstStyle/>
-                    <a:p>
-                      <a:pPr marL="0" marR="0" algn="ctr">
-                        <a:lnSpc>
-                          <a:spcPct val="150000"/>
-                        </a:lnSpc>
-                        <a:spcBef>
-                          <a:spcPts val="0"/>
-                        </a:spcBef>
-                        <a:spcAft>
-                          <a:spcPts val="0"/>
-                        </a:spcAft>
-                      </a:pPr>
-                      <a:r>
-                        <a:rPr lang="en-US" sz="1600" b="1">
-                          <a:effectLst/>
-                          <a:latin typeface="Times New Roman" panose="02020603050405020304" pitchFamily="18" charset="0"/>
-                          <a:ea typeface="Calibri" panose="020F0502020204030204" pitchFamily="34" charset="0"/>
-                          <a:cs typeface="Arial" panose="020B0604020202020204" pitchFamily="34" charset="0"/>
-                        </a:rPr>
-                        <a:t>2</a:t>
-                      </a:r>
-                      <a:endParaRPr lang="en-US" sz="1200">
-                        <a:effectLst/>
-                        <a:latin typeface="Calibri" panose="020F0502020204030204" pitchFamily="34" charset="0"/>
-                        <a:ea typeface="Calibri" panose="020F0502020204030204" pitchFamily="34" charset="0"/>
-                        <a:cs typeface="Arial" panose="020B0604020202020204" pitchFamily="34" charset="0"/>
-                      </a:endParaRPr>
-                    </a:p>
-                  </a:txBody>
-                  <a:tcPr marL="61147" marR="61147" marT="0" marB="0">
-                    <a:lnL w="12700" cap="flat" cmpd="sng" algn="ctr">
-                      <a:solidFill>
-                        <a:srgbClr val="666666"/>
-                      </a:solidFill>
-                      <a:prstDash val="solid"/>
-                      <a:round/>
-                      <a:headEnd type="none" w="med" len="med"/>
-                      <a:tailEnd type="none" w="med" len="med"/>
-                    </a:lnL>
-                    <a:lnR w="12700" cap="flat" cmpd="sng" algn="ctr">
-                      <a:solidFill>
-                        <a:srgbClr val="666666"/>
-                      </a:solidFill>
-                      <a:prstDash val="solid"/>
-                      <a:round/>
-                      <a:headEnd type="none" w="med" len="med"/>
-                      <a:tailEnd type="none" w="med" len="med"/>
-                    </a:lnR>
-                    <a:lnT w="12700" cap="flat" cmpd="sng" algn="ctr">
-                      <a:solidFill>
-                        <a:srgbClr val="666666"/>
-                      </a:solidFill>
-                      <a:prstDash val="solid"/>
-                      <a:round/>
-                      <a:headEnd type="none" w="med" len="med"/>
-                      <a:tailEnd type="none" w="med" len="med"/>
-                    </a:lnT>
-                    <a:lnB w="12700" cap="flat" cmpd="sng" algn="ctr">
-                      <a:solidFill>
-                        <a:srgbClr val="666666"/>
-                      </a:solidFill>
-                      <a:prstDash val="solid"/>
-                      <a:round/>
-                      <a:headEnd type="none" w="med" len="med"/>
-                      <a:tailEnd type="none" w="med" len="med"/>
-                    </a:lnB>
-                    <a:solidFill>
-                      <a:srgbClr val="FFFFFF"/>
-                    </a:solidFill>
-                  </a:tcPr>
-                </a:tc>
-                <a:tc>
-                  <a:txBody>
-                    <a:bodyPr/>
-                    <a:lstStyle/>
-                    <a:p>
-                      <a:pPr marL="0" marR="0" algn="ctr">
-                        <a:lnSpc>
-                          <a:spcPct val="150000"/>
-                        </a:lnSpc>
-                        <a:spcBef>
-                          <a:spcPts val="0"/>
-                        </a:spcBef>
-                        <a:spcAft>
-                          <a:spcPts val="0"/>
-                        </a:spcAft>
-                      </a:pPr>
-                      <a:r>
-                        <a:rPr lang="en-US" sz="1600">
-                          <a:effectLst/>
-                          <a:latin typeface="Times New Roman" panose="02020603050405020304" pitchFamily="18" charset="0"/>
-                          <a:ea typeface="Calibri" panose="020F0502020204030204" pitchFamily="34" charset="0"/>
-                          <a:cs typeface="Arial" panose="020B0604020202020204" pitchFamily="34" charset="0"/>
-                        </a:rPr>
-                        <a:t>O(itermax)*O(n)</a:t>
-                      </a:r>
-                      <a:endParaRPr lang="en-US" sz="1200">
-                        <a:effectLst/>
-                        <a:latin typeface="Calibri" panose="020F0502020204030204" pitchFamily="34" charset="0"/>
-                        <a:ea typeface="Calibri" panose="020F0502020204030204" pitchFamily="34" charset="0"/>
-                        <a:cs typeface="Arial" panose="020B0604020202020204" pitchFamily="34" charset="0"/>
-                      </a:endParaRPr>
-                    </a:p>
-                  </a:txBody>
-                  <a:tcPr marL="61147" marR="61147" marT="0" marB="0">
-                    <a:lnL w="12700" cap="flat" cmpd="sng" algn="ctr">
-                      <a:solidFill>
-                        <a:srgbClr val="666666"/>
-                      </a:solidFill>
-                      <a:prstDash val="solid"/>
-                      <a:round/>
-                      <a:headEnd type="none" w="med" len="med"/>
-                      <a:tailEnd type="none" w="med" len="med"/>
-                    </a:lnL>
-                    <a:lnR w="12700" cap="flat" cmpd="sng" algn="ctr">
-                      <a:solidFill>
-                        <a:srgbClr val="666666"/>
-                      </a:solidFill>
-                      <a:prstDash val="solid"/>
-                      <a:round/>
-                      <a:headEnd type="none" w="med" len="med"/>
-                      <a:tailEnd type="none" w="med" len="med"/>
-                    </a:lnR>
-                    <a:lnT w="12700" cap="flat" cmpd="sng" algn="ctr">
-                      <a:solidFill>
-                        <a:srgbClr val="666666"/>
-                      </a:solidFill>
-                      <a:prstDash val="solid"/>
-                      <a:round/>
-                      <a:headEnd type="none" w="med" len="med"/>
-                      <a:tailEnd type="none" w="med" len="med"/>
-                    </a:lnT>
-                    <a:lnB w="12700" cap="flat" cmpd="sng" algn="ctr">
-                      <a:solidFill>
-                        <a:srgbClr val="666666"/>
-                      </a:solidFill>
-                      <a:prstDash val="solid"/>
-                      <a:round/>
-                      <a:headEnd type="none" w="med" len="med"/>
-                      <a:tailEnd type="none" w="med" len="med"/>
-                    </a:lnB>
-                    <a:solidFill>
-                      <a:srgbClr val="FFFFFF"/>
-                    </a:solidFill>
-                  </a:tcPr>
-                </a:tc>
-                <a:tc>
-                  <a:txBody>
-                    <a:bodyPr/>
-                    <a:lstStyle/>
-                    <a:p>
-                      <a:pPr marL="0" marR="0" algn="ctr">
-                        <a:lnSpc>
-                          <a:spcPct val="150000"/>
-                        </a:lnSpc>
-                        <a:spcBef>
-                          <a:spcPts val="0"/>
-                        </a:spcBef>
-                        <a:spcAft>
-                          <a:spcPts val="0"/>
-                        </a:spcAft>
-                      </a:pPr>
-                      <a:r>
-                        <a:rPr lang="en-US" sz="1600">
-                          <a:effectLst/>
-                          <a:latin typeface="Times New Roman" panose="02020603050405020304" pitchFamily="18" charset="0"/>
-                          <a:ea typeface="Calibri" panose="020F0502020204030204" pitchFamily="34" charset="0"/>
-                          <a:cs typeface="Arial" panose="020B0604020202020204" pitchFamily="34" charset="0"/>
-                        </a:rPr>
-                        <a:t>3</a:t>
-                      </a:r>
-                      <a:endParaRPr lang="en-US" sz="1200">
-                        <a:effectLst/>
-                        <a:latin typeface="Calibri" panose="020F0502020204030204" pitchFamily="34" charset="0"/>
-                        <a:ea typeface="Calibri" panose="020F0502020204030204" pitchFamily="34" charset="0"/>
-                        <a:cs typeface="Arial" panose="020B0604020202020204" pitchFamily="34" charset="0"/>
-                      </a:endParaRPr>
-                    </a:p>
-                  </a:txBody>
-                  <a:tcPr marL="61147" marR="61147" marT="0" marB="0">
-                    <a:lnL w="12700" cap="flat" cmpd="sng" algn="ctr">
-                      <a:solidFill>
-                        <a:srgbClr val="666666"/>
-                      </a:solidFill>
-                      <a:prstDash val="solid"/>
-                      <a:round/>
-                      <a:headEnd type="none" w="med" len="med"/>
-                      <a:tailEnd type="none" w="med" len="med"/>
-                    </a:lnL>
-                    <a:lnR w="12700" cap="flat" cmpd="sng" algn="ctr">
-                      <a:solidFill>
-                        <a:srgbClr val="666666"/>
-                      </a:solidFill>
-                      <a:prstDash val="solid"/>
-                      <a:round/>
-                      <a:headEnd type="none" w="med" len="med"/>
-                      <a:tailEnd type="none" w="med" len="med"/>
-                    </a:lnR>
-                    <a:lnT w="12700" cap="flat" cmpd="sng" algn="ctr">
-                      <a:solidFill>
-                        <a:srgbClr val="666666"/>
-                      </a:solidFill>
-                      <a:prstDash val="solid"/>
-                      <a:round/>
-                      <a:headEnd type="none" w="med" len="med"/>
-                      <a:tailEnd type="none" w="med" len="med"/>
-                    </a:lnT>
-                    <a:lnB w="12700" cap="flat" cmpd="sng" algn="ctr">
-                      <a:solidFill>
-                        <a:srgbClr val="666666"/>
-                      </a:solidFill>
-                      <a:prstDash val="solid"/>
-                      <a:round/>
-                      <a:headEnd type="none" w="med" len="med"/>
-                      <a:tailEnd type="none" w="med" len="med"/>
-                    </a:lnB>
-                    <a:solidFill>
-                      <a:srgbClr val="FFFFFF"/>
-                    </a:solidFill>
-                  </a:tcPr>
-                </a:tc>
-                <a:extLst>
-                  <a:ext uri="{0D108BD9-81ED-4DB2-BD59-A6C34878D82A}">
-                    <a16:rowId xmlns:a16="http://schemas.microsoft.com/office/drawing/2014/main" val="1665285989"/>
-                  </a:ext>
-                </a:extLst>
-              </a:tr>
-              <a:tr h="403824">
-                <a:tc>
-                  <a:txBody>
-                    <a:bodyPr/>
-                    <a:lstStyle/>
-                    <a:p>
-                      <a:pPr marL="0" marR="0" algn="ctr">
-                        <a:lnSpc>
-                          <a:spcPct val="150000"/>
-                        </a:lnSpc>
-                        <a:spcBef>
-                          <a:spcPts val="0"/>
-                        </a:spcBef>
-                        <a:spcAft>
-                          <a:spcPts val="0"/>
-                        </a:spcAft>
-                      </a:pPr>
-                      <a:r>
-                        <a:rPr lang="en-US" sz="1600" b="1">
-                          <a:effectLst/>
-                          <a:latin typeface="Times New Roman" panose="02020603050405020304" pitchFamily="18" charset="0"/>
-                          <a:ea typeface="Calibri" panose="020F0502020204030204" pitchFamily="34" charset="0"/>
-                          <a:cs typeface="Arial" panose="020B0604020202020204" pitchFamily="34" charset="0"/>
-                        </a:rPr>
-                        <a:t>3</a:t>
-                      </a:r>
-                      <a:endParaRPr lang="en-US" sz="1200">
-                        <a:effectLst/>
-                        <a:latin typeface="Calibri" panose="020F0502020204030204" pitchFamily="34" charset="0"/>
-                        <a:ea typeface="Calibri" panose="020F0502020204030204" pitchFamily="34" charset="0"/>
-                        <a:cs typeface="Arial" panose="020B0604020202020204" pitchFamily="34" charset="0"/>
-                      </a:endParaRPr>
-                    </a:p>
-                  </a:txBody>
-                  <a:tcPr marL="61147" marR="61147" marT="0" marB="0">
-                    <a:lnL w="12700" cap="flat" cmpd="sng" algn="ctr">
-                      <a:solidFill>
-                        <a:srgbClr val="666666"/>
-                      </a:solidFill>
-                      <a:prstDash val="solid"/>
-                      <a:round/>
-                      <a:headEnd type="none" w="med" len="med"/>
-                      <a:tailEnd type="none" w="med" len="med"/>
-                    </a:lnL>
-                    <a:lnR w="12700" cap="flat" cmpd="sng" algn="ctr">
-                      <a:solidFill>
-                        <a:srgbClr val="666666"/>
-                      </a:solidFill>
-                      <a:prstDash val="solid"/>
-                      <a:round/>
-                      <a:headEnd type="none" w="med" len="med"/>
-                      <a:tailEnd type="none" w="med" len="med"/>
-                    </a:lnR>
-                    <a:lnT w="12700" cap="flat" cmpd="sng" algn="ctr">
-                      <a:solidFill>
-                        <a:srgbClr val="666666"/>
-                      </a:solidFill>
-                      <a:prstDash val="solid"/>
-                      <a:round/>
-                      <a:headEnd type="none" w="med" len="med"/>
-                      <a:tailEnd type="none" w="med" len="med"/>
-                    </a:lnT>
-                    <a:lnB w="12700" cap="flat" cmpd="sng" algn="ctr">
-                      <a:solidFill>
-                        <a:srgbClr val="666666"/>
-                      </a:solidFill>
-                      <a:prstDash val="solid"/>
-                      <a:round/>
-                      <a:headEnd type="none" w="med" len="med"/>
-                      <a:tailEnd type="none" w="med" len="med"/>
-                    </a:lnB>
-                    <a:solidFill>
-                      <a:srgbClr val="FFFFFF"/>
-                    </a:solidFill>
-                  </a:tcPr>
-                </a:tc>
-                <a:tc>
-                  <a:txBody>
-                    <a:bodyPr/>
-                    <a:lstStyle/>
-                    <a:p>
-                      <a:pPr marL="0" marR="0" algn="ctr">
-                        <a:lnSpc>
-                          <a:spcPct val="150000"/>
-                        </a:lnSpc>
-                        <a:spcBef>
-                          <a:spcPts val="0"/>
-                        </a:spcBef>
-                        <a:spcAft>
-                          <a:spcPts val="0"/>
-                        </a:spcAft>
-                      </a:pPr>
-                      <a:r>
-                        <a:rPr lang="en-US" sz="1600">
-                          <a:effectLst/>
-                          <a:latin typeface="Times New Roman" panose="02020603050405020304" pitchFamily="18" charset="0"/>
-                          <a:ea typeface="Calibri" panose="020F0502020204030204" pitchFamily="34" charset="0"/>
-                          <a:cs typeface="Arial" panose="020B0604020202020204" pitchFamily="34" charset="0"/>
-                        </a:rPr>
-                        <a:t>O(n)</a:t>
-                      </a:r>
-                      <a:endParaRPr lang="en-US" sz="1200">
-                        <a:effectLst/>
-                        <a:latin typeface="Calibri" panose="020F0502020204030204" pitchFamily="34" charset="0"/>
-                        <a:ea typeface="Calibri" panose="020F0502020204030204" pitchFamily="34" charset="0"/>
-                        <a:cs typeface="Arial" panose="020B0604020202020204" pitchFamily="34" charset="0"/>
-                      </a:endParaRPr>
-                    </a:p>
-                  </a:txBody>
-                  <a:tcPr marL="61147" marR="61147" marT="0" marB="0">
-                    <a:lnL w="12700" cap="flat" cmpd="sng" algn="ctr">
-                      <a:solidFill>
-                        <a:srgbClr val="666666"/>
-                      </a:solidFill>
-                      <a:prstDash val="solid"/>
-                      <a:round/>
-                      <a:headEnd type="none" w="med" len="med"/>
-                      <a:tailEnd type="none" w="med" len="med"/>
-                    </a:lnL>
-                    <a:lnR w="12700" cap="flat" cmpd="sng" algn="ctr">
-                      <a:solidFill>
-                        <a:srgbClr val="666666"/>
-                      </a:solidFill>
-                      <a:prstDash val="solid"/>
-                      <a:round/>
-                      <a:headEnd type="none" w="med" len="med"/>
-                      <a:tailEnd type="none" w="med" len="med"/>
-                    </a:lnR>
-                    <a:lnT w="12700" cap="flat" cmpd="sng" algn="ctr">
-                      <a:solidFill>
-                        <a:srgbClr val="666666"/>
-                      </a:solidFill>
-                      <a:prstDash val="solid"/>
-                      <a:round/>
-                      <a:headEnd type="none" w="med" len="med"/>
-                      <a:tailEnd type="none" w="med" len="med"/>
-                    </a:lnT>
-                    <a:lnB w="12700" cap="flat" cmpd="sng" algn="ctr">
-                      <a:solidFill>
-                        <a:srgbClr val="666666"/>
-                      </a:solidFill>
-                      <a:prstDash val="solid"/>
-                      <a:round/>
-                      <a:headEnd type="none" w="med" len="med"/>
-                      <a:tailEnd type="none" w="med" len="med"/>
-                    </a:lnB>
-                    <a:solidFill>
-                      <a:srgbClr val="FFFFFF"/>
-                    </a:solidFill>
-                  </a:tcPr>
-                </a:tc>
-                <a:tc>
-                  <a:txBody>
-                    <a:bodyPr/>
-                    <a:lstStyle/>
-                    <a:p>
-                      <a:pPr marL="0" marR="0" algn="ctr">
-                        <a:lnSpc>
-                          <a:spcPct val="150000"/>
-                        </a:lnSpc>
-                        <a:spcBef>
-                          <a:spcPts val="0"/>
-                        </a:spcBef>
-                        <a:spcAft>
-                          <a:spcPts val="0"/>
-                        </a:spcAft>
-                      </a:pPr>
-                      <a:r>
-                        <a:rPr lang="en-US" sz="1600">
-                          <a:effectLst/>
-                          <a:latin typeface="Times New Roman" panose="02020603050405020304" pitchFamily="18" charset="0"/>
-                          <a:ea typeface="Calibri" panose="020F0502020204030204" pitchFamily="34" charset="0"/>
-                          <a:cs typeface="Arial" panose="020B0604020202020204" pitchFamily="34" charset="0"/>
-                        </a:rPr>
-                        <a:t> </a:t>
-                      </a:r>
-                      <a:endParaRPr lang="en-US" sz="1200">
-                        <a:effectLst/>
-                        <a:latin typeface="Calibri" panose="020F0502020204030204" pitchFamily="34" charset="0"/>
-                        <a:ea typeface="Calibri" panose="020F0502020204030204" pitchFamily="34" charset="0"/>
-                        <a:cs typeface="Arial" panose="020B0604020202020204" pitchFamily="34" charset="0"/>
-                      </a:endParaRPr>
-                    </a:p>
-                  </a:txBody>
-                  <a:tcPr marL="61147" marR="61147" marT="0" marB="0">
-                    <a:lnL w="12700" cap="flat" cmpd="sng" algn="ctr">
-                      <a:solidFill>
-                        <a:srgbClr val="666666"/>
-                      </a:solidFill>
-                      <a:prstDash val="solid"/>
-                      <a:round/>
-                      <a:headEnd type="none" w="med" len="med"/>
-                      <a:tailEnd type="none" w="med" len="med"/>
-                    </a:lnL>
-                    <a:lnR w="12700" cap="flat" cmpd="sng" algn="ctr">
-                      <a:solidFill>
-                        <a:srgbClr val="666666"/>
-                      </a:solidFill>
-                      <a:prstDash val="solid"/>
-                      <a:round/>
-                      <a:headEnd type="none" w="med" len="med"/>
-                      <a:tailEnd type="none" w="med" len="med"/>
-                    </a:lnR>
-                    <a:lnT w="12700" cap="flat" cmpd="sng" algn="ctr">
-                      <a:solidFill>
-                        <a:srgbClr val="666666"/>
-                      </a:solidFill>
-                      <a:prstDash val="solid"/>
-                      <a:round/>
-                      <a:headEnd type="none" w="med" len="med"/>
-                      <a:tailEnd type="none" w="med" len="med"/>
-                    </a:lnT>
-                    <a:lnB w="12700" cap="flat" cmpd="sng" algn="ctr">
-                      <a:solidFill>
-                        <a:srgbClr val="666666"/>
-                      </a:solidFill>
-                      <a:prstDash val="solid"/>
-                      <a:round/>
-                      <a:headEnd type="none" w="med" len="med"/>
-                      <a:tailEnd type="none" w="med" len="med"/>
-                    </a:lnB>
-                    <a:solidFill>
-                      <a:srgbClr val="FFFFFF"/>
-                    </a:solidFill>
-                  </a:tcPr>
-                </a:tc>
-                <a:extLst>
-                  <a:ext uri="{0D108BD9-81ED-4DB2-BD59-A6C34878D82A}">
-                    <a16:rowId xmlns:a16="http://schemas.microsoft.com/office/drawing/2014/main" val="3925744470"/>
-                  </a:ext>
-                </a:extLst>
-              </a:tr>
-              <a:tr h="403824">
-                <a:tc>
-                  <a:txBody>
-                    <a:bodyPr/>
-                    <a:lstStyle/>
-                    <a:p>
-                      <a:pPr marL="0" marR="0" algn="ctr">
-                        <a:lnSpc>
-                          <a:spcPct val="150000"/>
-                        </a:lnSpc>
-                        <a:spcBef>
-                          <a:spcPts val="0"/>
-                        </a:spcBef>
-                        <a:spcAft>
-                          <a:spcPts val="0"/>
-                        </a:spcAft>
-                      </a:pPr>
-                      <a:r>
-                        <a:rPr lang="en-US" sz="1600" b="1">
-                          <a:effectLst/>
-                          <a:latin typeface="Times New Roman" panose="02020603050405020304" pitchFamily="18" charset="0"/>
-                          <a:ea typeface="Calibri" panose="020F0502020204030204" pitchFamily="34" charset="0"/>
-                          <a:cs typeface="Arial" panose="020B0604020202020204" pitchFamily="34" charset="0"/>
-                        </a:rPr>
-                        <a:t>4</a:t>
-                      </a:r>
-                      <a:endParaRPr lang="en-US" sz="1200">
-                        <a:effectLst/>
-                        <a:latin typeface="Calibri" panose="020F0502020204030204" pitchFamily="34" charset="0"/>
-                        <a:ea typeface="Calibri" panose="020F0502020204030204" pitchFamily="34" charset="0"/>
-                        <a:cs typeface="Arial" panose="020B0604020202020204" pitchFamily="34" charset="0"/>
-                      </a:endParaRPr>
-                    </a:p>
-                  </a:txBody>
-                  <a:tcPr marL="61147" marR="61147" marT="0" marB="0">
-                    <a:lnL w="12700" cap="flat" cmpd="sng" algn="ctr">
-                      <a:solidFill>
-                        <a:srgbClr val="666666"/>
-                      </a:solidFill>
-                      <a:prstDash val="solid"/>
-                      <a:round/>
-                      <a:headEnd type="none" w="med" len="med"/>
-                      <a:tailEnd type="none" w="med" len="med"/>
-                    </a:lnL>
-                    <a:lnR w="12700" cap="flat" cmpd="sng" algn="ctr">
-                      <a:solidFill>
-                        <a:srgbClr val="666666"/>
-                      </a:solidFill>
-                      <a:prstDash val="solid"/>
-                      <a:round/>
-                      <a:headEnd type="none" w="med" len="med"/>
-                      <a:tailEnd type="none" w="med" len="med"/>
-                    </a:lnR>
-                    <a:lnT w="12700" cap="flat" cmpd="sng" algn="ctr">
-                      <a:solidFill>
-                        <a:srgbClr val="666666"/>
-                      </a:solidFill>
-                      <a:prstDash val="solid"/>
-                      <a:round/>
-                      <a:headEnd type="none" w="med" len="med"/>
-                      <a:tailEnd type="none" w="med" len="med"/>
-                    </a:lnT>
-                    <a:lnB w="12700" cap="flat" cmpd="sng" algn="ctr">
-                      <a:solidFill>
-                        <a:srgbClr val="666666"/>
-                      </a:solidFill>
-                      <a:prstDash val="solid"/>
-                      <a:round/>
-                      <a:headEnd type="none" w="med" len="med"/>
-                      <a:tailEnd type="none" w="med" len="med"/>
-                    </a:lnB>
-                    <a:solidFill>
-                      <a:srgbClr val="FFFFFF"/>
-                    </a:solidFill>
-                  </a:tcPr>
-                </a:tc>
-                <a:tc>
-                  <a:txBody>
-                    <a:bodyPr/>
-                    <a:lstStyle/>
-                    <a:p>
-                      <a:pPr marL="0" marR="0" algn="ctr">
-                        <a:lnSpc>
-                          <a:spcPct val="150000"/>
-                        </a:lnSpc>
-                        <a:spcBef>
-                          <a:spcPts val="0"/>
-                        </a:spcBef>
-                        <a:spcAft>
-                          <a:spcPts val="0"/>
-                        </a:spcAft>
-                      </a:pPr>
-                      <a:r>
-                        <a:rPr lang="en-US" sz="1600">
-                          <a:effectLst/>
-                          <a:latin typeface="Times New Roman" panose="02020603050405020304" pitchFamily="18" charset="0"/>
-                          <a:ea typeface="Calibri" panose="020F0502020204030204" pitchFamily="34" charset="0"/>
-                          <a:cs typeface="Arial" panose="020B0604020202020204" pitchFamily="34" charset="0"/>
-                        </a:rPr>
-                        <a:t>O(n) </a:t>
-                      </a:r>
-                      <a:endParaRPr lang="en-US" sz="1200">
-                        <a:effectLst/>
-                        <a:latin typeface="Calibri" panose="020F0502020204030204" pitchFamily="34" charset="0"/>
-                        <a:ea typeface="Calibri" panose="020F0502020204030204" pitchFamily="34" charset="0"/>
-                        <a:cs typeface="Arial" panose="020B0604020202020204" pitchFamily="34" charset="0"/>
-                      </a:endParaRPr>
-                    </a:p>
-                  </a:txBody>
-                  <a:tcPr marL="61147" marR="61147" marT="0" marB="0">
-                    <a:lnL w="12700" cap="flat" cmpd="sng" algn="ctr">
-                      <a:solidFill>
-                        <a:srgbClr val="666666"/>
-                      </a:solidFill>
-                      <a:prstDash val="solid"/>
-                      <a:round/>
-                      <a:headEnd type="none" w="med" len="med"/>
-                      <a:tailEnd type="none" w="med" len="med"/>
-                    </a:lnL>
-                    <a:lnR w="12700" cap="flat" cmpd="sng" algn="ctr">
-                      <a:solidFill>
-                        <a:srgbClr val="666666"/>
-                      </a:solidFill>
-                      <a:prstDash val="solid"/>
-                      <a:round/>
-                      <a:headEnd type="none" w="med" len="med"/>
-                      <a:tailEnd type="none" w="med" len="med"/>
-                    </a:lnR>
-                    <a:lnT w="12700" cap="flat" cmpd="sng" algn="ctr">
-                      <a:solidFill>
-                        <a:srgbClr val="666666"/>
-                      </a:solidFill>
-                      <a:prstDash val="solid"/>
-                      <a:round/>
-                      <a:headEnd type="none" w="med" len="med"/>
-                      <a:tailEnd type="none" w="med" len="med"/>
-                    </a:lnT>
-                    <a:lnB w="12700" cap="flat" cmpd="sng" algn="ctr">
-                      <a:solidFill>
-                        <a:srgbClr val="666666"/>
-                      </a:solidFill>
-                      <a:prstDash val="solid"/>
-                      <a:round/>
-                      <a:headEnd type="none" w="med" len="med"/>
-                      <a:tailEnd type="none" w="med" len="med"/>
-                    </a:lnB>
-                    <a:solidFill>
-                      <a:srgbClr val="FFFFFF"/>
-                    </a:solidFill>
-                  </a:tcPr>
-                </a:tc>
-                <a:tc>
-                  <a:txBody>
-                    <a:bodyPr/>
-                    <a:lstStyle/>
-                    <a:p>
-                      <a:pPr marL="0" marR="0" algn="ctr">
-                        <a:lnSpc>
-                          <a:spcPct val="150000"/>
-                        </a:lnSpc>
-                        <a:spcBef>
-                          <a:spcPts val="0"/>
-                        </a:spcBef>
-                        <a:spcAft>
-                          <a:spcPts val="0"/>
-                        </a:spcAft>
-                      </a:pPr>
-                      <a:r>
-                        <a:rPr lang="en-US" sz="1600">
-                          <a:effectLst/>
-                          <a:latin typeface="Times New Roman" panose="02020603050405020304" pitchFamily="18" charset="0"/>
-                          <a:ea typeface="Calibri" panose="020F0502020204030204" pitchFamily="34" charset="0"/>
-                          <a:cs typeface="Arial" panose="020B0604020202020204" pitchFamily="34" charset="0"/>
-                        </a:rPr>
-                        <a:t> </a:t>
-                      </a:r>
-                      <a:endParaRPr lang="en-US" sz="1200">
-                        <a:effectLst/>
-                        <a:latin typeface="Calibri" panose="020F0502020204030204" pitchFamily="34" charset="0"/>
-                        <a:ea typeface="Calibri" panose="020F0502020204030204" pitchFamily="34" charset="0"/>
-                        <a:cs typeface="Arial" panose="020B0604020202020204" pitchFamily="34" charset="0"/>
-                      </a:endParaRPr>
-                    </a:p>
-                  </a:txBody>
-                  <a:tcPr marL="61147" marR="61147" marT="0" marB="0">
-                    <a:lnL w="12700" cap="flat" cmpd="sng" algn="ctr">
-                      <a:solidFill>
-                        <a:srgbClr val="666666"/>
-                      </a:solidFill>
-                      <a:prstDash val="solid"/>
-                      <a:round/>
-                      <a:headEnd type="none" w="med" len="med"/>
-                      <a:tailEnd type="none" w="med" len="med"/>
-                    </a:lnL>
-                    <a:lnR w="12700" cap="flat" cmpd="sng" algn="ctr">
-                      <a:solidFill>
-                        <a:srgbClr val="666666"/>
-                      </a:solidFill>
-                      <a:prstDash val="solid"/>
-                      <a:round/>
-                      <a:headEnd type="none" w="med" len="med"/>
-                      <a:tailEnd type="none" w="med" len="med"/>
-                    </a:lnR>
-                    <a:lnT w="12700" cap="flat" cmpd="sng" algn="ctr">
-                      <a:solidFill>
-                        <a:srgbClr val="666666"/>
-                      </a:solidFill>
-                      <a:prstDash val="solid"/>
-                      <a:round/>
-                      <a:headEnd type="none" w="med" len="med"/>
-                      <a:tailEnd type="none" w="med" len="med"/>
-                    </a:lnT>
-                    <a:lnB w="12700" cap="flat" cmpd="sng" algn="ctr">
-                      <a:solidFill>
-                        <a:srgbClr val="666666"/>
-                      </a:solidFill>
-                      <a:prstDash val="solid"/>
-                      <a:round/>
-                      <a:headEnd type="none" w="med" len="med"/>
-                      <a:tailEnd type="none" w="med" len="med"/>
-                    </a:lnB>
-                    <a:solidFill>
-                      <a:srgbClr val="FFFFFF"/>
-                    </a:solidFill>
-                  </a:tcPr>
-                </a:tc>
-                <a:extLst>
-                  <a:ext uri="{0D108BD9-81ED-4DB2-BD59-A6C34878D82A}">
-                    <a16:rowId xmlns:a16="http://schemas.microsoft.com/office/drawing/2014/main" val="4121435818"/>
-                  </a:ext>
-                </a:extLst>
-              </a:tr>
-              <a:tr h="403824">
-                <a:tc>
-                  <a:txBody>
-                    <a:bodyPr/>
-                    <a:lstStyle/>
-                    <a:p>
-                      <a:pPr marL="0" marR="0" algn="ctr">
-                        <a:lnSpc>
-                          <a:spcPct val="150000"/>
-                        </a:lnSpc>
-                        <a:spcBef>
-                          <a:spcPts val="0"/>
-                        </a:spcBef>
-                        <a:spcAft>
-                          <a:spcPts val="0"/>
-                        </a:spcAft>
-                      </a:pPr>
-                      <a:r>
-                        <a:rPr lang="en-US" sz="1600" b="1">
-                          <a:effectLst/>
-                          <a:latin typeface="Times New Roman" panose="02020603050405020304" pitchFamily="18" charset="0"/>
-                          <a:ea typeface="Calibri" panose="020F0502020204030204" pitchFamily="34" charset="0"/>
-                          <a:cs typeface="Arial" panose="020B0604020202020204" pitchFamily="34" charset="0"/>
-                        </a:rPr>
-                        <a:t>5</a:t>
-                      </a:r>
-                      <a:endParaRPr lang="en-US" sz="1200">
-                        <a:effectLst/>
-                        <a:latin typeface="Calibri" panose="020F0502020204030204" pitchFamily="34" charset="0"/>
-                        <a:ea typeface="Calibri" panose="020F0502020204030204" pitchFamily="34" charset="0"/>
-                        <a:cs typeface="Arial" panose="020B0604020202020204" pitchFamily="34" charset="0"/>
-                      </a:endParaRPr>
-                    </a:p>
-                  </a:txBody>
-                  <a:tcPr marL="61147" marR="61147" marT="0" marB="0">
-                    <a:lnL w="12700" cap="flat" cmpd="sng" algn="ctr">
-                      <a:solidFill>
-                        <a:srgbClr val="666666"/>
-                      </a:solidFill>
-                      <a:prstDash val="solid"/>
-                      <a:round/>
-                      <a:headEnd type="none" w="med" len="med"/>
-                      <a:tailEnd type="none" w="med" len="med"/>
-                    </a:lnL>
-                    <a:lnR w="12700" cap="flat" cmpd="sng" algn="ctr">
-                      <a:solidFill>
-                        <a:srgbClr val="666666"/>
-                      </a:solidFill>
-                      <a:prstDash val="solid"/>
-                      <a:round/>
-                      <a:headEnd type="none" w="med" len="med"/>
-                      <a:tailEnd type="none" w="med" len="med"/>
-                    </a:lnR>
-                    <a:lnT w="12700" cap="flat" cmpd="sng" algn="ctr">
-                      <a:solidFill>
-                        <a:srgbClr val="666666"/>
-                      </a:solidFill>
-                      <a:prstDash val="solid"/>
-                      <a:round/>
-                      <a:headEnd type="none" w="med" len="med"/>
-                      <a:tailEnd type="none" w="med" len="med"/>
-                    </a:lnT>
-                    <a:lnB w="12700" cap="flat" cmpd="sng" algn="ctr">
-                      <a:solidFill>
-                        <a:srgbClr val="666666"/>
-                      </a:solidFill>
-                      <a:prstDash val="solid"/>
-                      <a:round/>
-                      <a:headEnd type="none" w="med" len="med"/>
-                      <a:tailEnd type="none" w="med" len="med"/>
-                    </a:lnB>
-                    <a:solidFill>
-                      <a:srgbClr val="FFFFFF"/>
-                    </a:solidFill>
-                  </a:tcPr>
-                </a:tc>
-                <a:tc>
-                  <a:txBody>
-                    <a:bodyPr/>
-                    <a:lstStyle/>
-                    <a:p>
-                      <a:pPr marL="0" marR="0" algn="ctr">
-                        <a:lnSpc>
-                          <a:spcPct val="150000"/>
-                        </a:lnSpc>
-                        <a:spcBef>
-                          <a:spcPts val="0"/>
-                        </a:spcBef>
-                        <a:spcAft>
-                          <a:spcPts val="0"/>
-                        </a:spcAft>
-                      </a:pPr>
-                      <a:r>
-                        <a:rPr lang="en-US" sz="1600">
-                          <a:effectLst/>
-                          <a:latin typeface="Times New Roman" panose="02020603050405020304" pitchFamily="18" charset="0"/>
-                          <a:ea typeface="Calibri" panose="020F0502020204030204" pitchFamily="34" charset="0"/>
-                          <a:cs typeface="Arial" panose="020B0604020202020204" pitchFamily="34" charset="0"/>
-                        </a:rPr>
-                        <a:t>O(n)*O(n)</a:t>
-                      </a:r>
-                      <a:endParaRPr lang="en-US" sz="1200">
-                        <a:effectLst/>
-                        <a:latin typeface="Calibri" panose="020F0502020204030204" pitchFamily="34" charset="0"/>
-                        <a:ea typeface="Calibri" panose="020F0502020204030204" pitchFamily="34" charset="0"/>
-                        <a:cs typeface="Arial" panose="020B0604020202020204" pitchFamily="34" charset="0"/>
-                      </a:endParaRPr>
-                    </a:p>
-                  </a:txBody>
-                  <a:tcPr marL="61147" marR="61147" marT="0" marB="0">
-                    <a:lnL w="12700" cap="flat" cmpd="sng" algn="ctr">
-                      <a:solidFill>
-                        <a:srgbClr val="666666"/>
-                      </a:solidFill>
-                      <a:prstDash val="solid"/>
-                      <a:round/>
-                      <a:headEnd type="none" w="med" len="med"/>
-                      <a:tailEnd type="none" w="med" len="med"/>
-                    </a:lnL>
-                    <a:lnR w="12700" cap="flat" cmpd="sng" algn="ctr">
-                      <a:solidFill>
-                        <a:srgbClr val="666666"/>
-                      </a:solidFill>
-                      <a:prstDash val="solid"/>
-                      <a:round/>
-                      <a:headEnd type="none" w="med" len="med"/>
-                      <a:tailEnd type="none" w="med" len="med"/>
-                    </a:lnR>
-                    <a:lnT w="12700" cap="flat" cmpd="sng" algn="ctr">
-                      <a:solidFill>
-                        <a:srgbClr val="666666"/>
-                      </a:solidFill>
-                      <a:prstDash val="solid"/>
-                      <a:round/>
-                      <a:headEnd type="none" w="med" len="med"/>
-                      <a:tailEnd type="none" w="med" len="med"/>
-                    </a:lnT>
-                    <a:lnB w="12700" cap="flat" cmpd="sng" algn="ctr">
-                      <a:solidFill>
-                        <a:srgbClr val="666666"/>
-                      </a:solidFill>
-                      <a:prstDash val="solid"/>
-                      <a:round/>
-                      <a:headEnd type="none" w="med" len="med"/>
-                      <a:tailEnd type="none" w="med" len="med"/>
-                    </a:lnB>
-                    <a:solidFill>
-                      <a:srgbClr val="FFFFFF"/>
-                    </a:solidFill>
-                  </a:tcPr>
-                </a:tc>
-                <a:tc>
-                  <a:txBody>
-                    <a:bodyPr/>
-                    <a:lstStyle/>
-                    <a:p>
-                      <a:pPr marL="0" marR="0" algn="ctr">
-                        <a:lnSpc>
-                          <a:spcPct val="150000"/>
-                        </a:lnSpc>
-                        <a:spcBef>
-                          <a:spcPts val="0"/>
-                        </a:spcBef>
-                        <a:spcAft>
-                          <a:spcPts val="0"/>
-                        </a:spcAft>
-                      </a:pPr>
-                      <a:r>
-                        <a:rPr lang="en-US" sz="1600">
-                          <a:effectLst/>
-                          <a:latin typeface="Times New Roman" panose="02020603050405020304" pitchFamily="18" charset="0"/>
-                          <a:ea typeface="Calibri" panose="020F0502020204030204" pitchFamily="34" charset="0"/>
-                          <a:cs typeface="Arial" panose="020B0604020202020204" pitchFamily="34" charset="0"/>
-                        </a:rPr>
-                        <a:t>10</a:t>
-                      </a:r>
-                      <a:endParaRPr lang="en-US" sz="1200">
-                        <a:effectLst/>
-                        <a:latin typeface="Calibri" panose="020F0502020204030204" pitchFamily="34" charset="0"/>
-                        <a:ea typeface="Calibri" panose="020F0502020204030204" pitchFamily="34" charset="0"/>
-                        <a:cs typeface="Arial" panose="020B0604020202020204" pitchFamily="34" charset="0"/>
-                      </a:endParaRPr>
-                    </a:p>
-                  </a:txBody>
-                  <a:tcPr marL="61147" marR="61147" marT="0" marB="0">
-                    <a:lnL w="12700" cap="flat" cmpd="sng" algn="ctr">
-                      <a:solidFill>
-                        <a:srgbClr val="666666"/>
-                      </a:solidFill>
-                      <a:prstDash val="solid"/>
-                      <a:round/>
-                      <a:headEnd type="none" w="med" len="med"/>
-                      <a:tailEnd type="none" w="med" len="med"/>
-                    </a:lnL>
-                    <a:lnR w="12700" cap="flat" cmpd="sng" algn="ctr">
-                      <a:solidFill>
-                        <a:srgbClr val="666666"/>
-                      </a:solidFill>
-                      <a:prstDash val="solid"/>
-                      <a:round/>
-                      <a:headEnd type="none" w="med" len="med"/>
-                      <a:tailEnd type="none" w="med" len="med"/>
-                    </a:lnR>
-                    <a:lnT w="12700" cap="flat" cmpd="sng" algn="ctr">
-                      <a:solidFill>
-                        <a:srgbClr val="666666"/>
-                      </a:solidFill>
-                      <a:prstDash val="solid"/>
-                      <a:round/>
-                      <a:headEnd type="none" w="med" len="med"/>
-                      <a:tailEnd type="none" w="med" len="med"/>
-                    </a:lnT>
-                    <a:lnB w="12700" cap="flat" cmpd="sng" algn="ctr">
-                      <a:solidFill>
-                        <a:srgbClr val="666666"/>
-                      </a:solidFill>
-                      <a:prstDash val="solid"/>
-                      <a:round/>
-                      <a:headEnd type="none" w="med" len="med"/>
-                      <a:tailEnd type="none" w="med" len="med"/>
-                    </a:lnB>
-                    <a:solidFill>
-                      <a:srgbClr val="FFFFFF"/>
-                    </a:solidFill>
-                  </a:tcPr>
-                </a:tc>
-                <a:extLst>
-                  <a:ext uri="{0D108BD9-81ED-4DB2-BD59-A6C34878D82A}">
-                    <a16:rowId xmlns:a16="http://schemas.microsoft.com/office/drawing/2014/main" val="274040973"/>
-                  </a:ext>
-                </a:extLst>
-              </a:tr>
-              <a:tr h="807650">
-                <a:tc>
-                  <a:txBody>
-                    <a:bodyPr/>
-                    <a:lstStyle/>
-                    <a:p>
-                      <a:pPr marL="0" marR="0" algn="ctr">
-                        <a:lnSpc>
-                          <a:spcPct val="150000"/>
-                        </a:lnSpc>
-                        <a:spcBef>
-                          <a:spcPts val="0"/>
-                        </a:spcBef>
-                        <a:spcAft>
-                          <a:spcPts val="0"/>
-                        </a:spcAft>
-                      </a:pPr>
-                      <a:r>
-                        <a:rPr lang="en-US" sz="1600" b="1">
-                          <a:effectLst/>
-                          <a:latin typeface="Times New Roman" panose="02020603050405020304" pitchFamily="18" charset="0"/>
-                          <a:ea typeface="Calibri" panose="020F0502020204030204" pitchFamily="34" charset="0"/>
-                          <a:cs typeface="Arial" panose="020B0604020202020204" pitchFamily="34" charset="0"/>
-                        </a:rPr>
-                        <a:t>6</a:t>
-                      </a:r>
-                      <a:endParaRPr lang="en-US" sz="1200">
-                        <a:effectLst/>
-                        <a:latin typeface="Calibri" panose="020F0502020204030204" pitchFamily="34" charset="0"/>
-                        <a:ea typeface="Calibri" panose="020F0502020204030204" pitchFamily="34" charset="0"/>
-                        <a:cs typeface="Arial" panose="020B0604020202020204" pitchFamily="34" charset="0"/>
-                      </a:endParaRPr>
-                    </a:p>
-                  </a:txBody>
-                  <a:tcPr marL="61147" marR="61147" marT="0" marB="0">
-                    <a:lnL w="12700" cap="flat" cmpd="sng" algn="ctr">
-                      <a:solidFill>
-                        <a:srgbClr val="666666"/>
-                      </a:solidFill>
-                      <a:prstDash val="solid"/>
-                      <a:round/>
-                      <a:headEnd type="none" w="med" len="med"/>
-                      <a:tailEnd type="none" w="med" len="med"/>
-                    </a:lnL>
-                    <a:lnR w="12700" cap="flat" cmpd="sng" algn="ctr">
-                      <a:solidFill>
-                        <a:srgbClr val="666666"/>
-                      </a:solidFill>
-                      <a:prstDash val="solid"/>
-                      <a:round/>
-                      <a:headEnd type="none" w="med" len="med"/>
-                      <a:tailEnd type="none" w="med" len="med"/>
-                    </a:lnR>
-                    <a:lnT w="12700" cap="flat" cmpd="sng" algn="ctr">
-                      <a:solidFill>
-                        <a:srgbClr val="666666"/>
-                      </a:solidFill>
-                      <a:prstDash val="solid"/>
-                      <a:round/>
-                      <a:headEnd type="none" w="med" len="med"/>
-                      <a:tailEnd type="none" w="med" len="med"/>
-                    </a:lnT>
-                    <a:lnB w="12700" cap="flat" cmpd="sng" algn="ctr">
-                      <a:solidFill>
-                        <a:srgbClr val="666666"/>
-                      </a:solidFill>
-                      <a:prstDash val="solid"/>
-                      <a:round/>
-                      <a:headEnd type="none" w="med" len="med"/>
-                      <a:tailEnd type="none" w="med" len="med"/>
-                    </a:lnB>
-                    <a:solidFill>
-                      <a:srgbClr val="FFFFFF"/>
-                    </a:solidFill>
-                  </a:tcPr>
-                </a:tc>
-                <a:tc>
-                  <a:txBody>
-                    <a:bodyPr/>
-                    <a:lstStyle/>
-                    <a:p>
-                      <a:pPr marL="0" marR="0" algn="ctr">
-                        <a:lnSpc>
-                          <a:spcPct val="150000"/>
-                        </a:lnSpc>
-                        <a:spcBef>
-                          <a:spcPts val="0"/>
-                        </a:spcBef>
-                        <a:spcAft>
-                          <a:spcPts val="0"/>
-                        </a:spcAft>
-                      </a:pPr>
-                      <a:r>
-                        <a:rPr lang="en-US" sz="1600">
-                          <a:effectLst/>
-                          <a:latin typeface="Times New Roman" panose="02020603050405020304" pitchFamily="18" charset="0"/>
-                          <a:ea typeface="Calibri" panose="020F0502020204030204" pitchFamily="34" charset="0"/>
-                          <a:cs typeface="Arial" panose="020B0604020202020204" pitchFamily="34" charset="0"/>
-                        </a:rPr>
-                        <a:t>O(length of quality) *O(itermax)*O(1)</a:t>
-                      </a:r>
-                      <a:endParaRPr lang="en-US" sz="1200">
-                        <a:effectLst/>
-                        <a:latin typeface="Calibri" panose="020F0502020204030204" pitchFamily="34" charset="0"/>
-                        <a:ea typeface="Calibri" panose="020F0502020204030204" pitchFamily="34" charset="0"/>
-                        <a:cs typeface="Arial" panose="020B0604020202020204" pitchFamily="34" charset="0"/>
-                      </a:endParaRPr>
-                    </a:p>
-                  </a:txBody>
-                  <a:tcPr marL="61147" marR="61147" marT="0" marB="0">
-                    <a:lnL w="12700" cap="flat" cmpd="sng" algn="ctr">
-                      <a:solidFill>
-                        <a:srgbClr val="666666"/>
-                      </a:solidFill>
-                      <a:prstDash val="solid"/>
-                      <a:round/>
-                      <a:headEnd type="none" w="med" len="med"/>
-                      <a:tailEnd type="none" w="med" len="med"/>
-                    </a:lnL>
-                    <a:lnR w="12700" cap="flat" cmpd="sng" algn="ctr">
-                      <a:solidFill>
-                        <a:srgbClr val="666666"/>
-                      </a:solidFill>
-                      <a:prstDash val="solid"/>
-                      <a:round/>
-                      <a:headEnd type="none" w="med" len="med"/>
-                      <a:tailEnd type="none" w="med" len="med"/>
-                    </a:lnR>
-                    <a:lnT w="12700" cap="flat" cmpd="sng" algn="ctr">
-                      <a:solidFill>
-                        <a:srgbClr val="666666"/>
-                      </a:solidFill>
-                      <a:prstDash val="solid"/>
-                      <a:round/>
-                      <a:headEnd type="none" w="med" len="med"/>
-                      <a:tailEnd type="none" w="med" len="med"/>
-                    </a:lnT>
-                    <a:lnB w="12700" cap="flat" cmpd="sng" algn="ctr">
-                      <a:solidFill>
-                        <a:srgbClr val="666666"/>
-                      </a:solidFill>
-                      <a:prstDash val="solid"/>
-                      <a:round/>
-                      <a:headEnd type="none" w="med" len="med"/>
-                      <a:tailEnd type="none" w="med" len="med"/>
-                    </a:lnB>
-                    <a:solidFill>
-                      <a:srgbClr val="FFFFFF"/>
-                    </a:solidFill>
-                  </a:tcPr>
-                </a:tc>
-                <a:tc>
-                  <a:txBody>
-                    <a:bodyPr/>
-                    <a:lstStyle/>
-                    <a:p>
-                      <a:pPr marL="0" marR="0" algn="ctr">
-                        <a:lnSpc>
-                          <a:spcPct val="150000"/>
-                        </a:lnSpc>
-                        <a:spcBef>
-                          <a:spcPts val="0"/>
-                        </a:spcBef>
-                        <a:spcAft>
-                          <a:spcPts val="0"/>
-                        </a:spcAft>
-                      </a:pPr>
-                      <a:r>
-                        <a:rPr lang="en-US" sz="1600">
-                          <a:effectLst/>
-                          <a:latin typeface="Times New Roman" panose="02020603050405020304" pitchFamily="18" charset="0"/>
-                          <a:ea typeface="Calibri" panose="020F0502020204030204" pitchFamily="34" charset="0"/>
-                          <a:cs typeface="Arial" panose="020B0604020202020204" pitchFamily="34" charset="0"/>
-                        </a:rPr>
-                        <a:t>2</a:t>
-                      </a:r>
-                      <a:endParaRPr lang="en-US" sz="1200">
-                        <a:effectLst/>
-                        <a:latin typeface="Calibri" panose="020F0502020204030204" pitchFamily="34" charset="0"/>
-                        <a:ea typeface="Calibri" panose="020F0502020204030204" pitchFamily="34" charset="0"/>
-                        <a:cs typeface="Arial" panose="020B0604020202020204" pitchFamily="34" charset="0"/>
-                      </a:endParaRPr>
-                    </a:p>
-                  </a:txBody>
-                  <a:tcPr marL="61147" marR="61147" marT="0" marB="0">
-                    <a:lnL w="12700" cap="flat" cmpd="sng" algn="ctr">
-                      <a:solidFill>
-                        <a:srgbClr val="666666"/>
-                      </a:solidFill>
-                      <a:prstDash val="solid"/>
-                      <a:round/>
-                      <a:headEnd type="none" w="med" len="med"/>
-                      <a:tailEnd type="none" w="med" len="med"/>
-                    </a:lnL>
-                    <a:lnR w="12700" cap="flat" cmpd="sng" algn="ctr">
-                      <a:solidFill>
-                        <a:srgbClr val="666666"/>
-                      </a:solidFill>
-                      <a:prstDash val="solid"/>
-                      <a:round/>
-                      <a:headEnd type="none" w="med" len="med"/>
-                      <a:tailEnd type="none" w="med" len="med"/>
-                    </a:lnR>
-                    <a:lnT w="12700" cap="flat" cmpd="sng" algn="ctr">
-                      <a:solidFill>
-                        <a:srgbClr val="666666"/>
-                      </a:solidFill>
-                      <a:prstDash val="solid"/>
-                      <a:round/>
-                      <a:headEnd type="none" w="med" len="med"/>
-                      <a:tailEnd type="none" w="med" len="med"/>
-                    </a:lnT>
-                    <a:lnB w="12700" cap="flat" cmpd="sng" algn="ctr">
-                      <a:solidFill>
-                        <a:srgbClr val="666666"/>
-                      </a:solidFill>
-                      <a:prstDash val="solid"/>
-                      <a:round/>
-                      <a:headEnd type="none" w="med" len="med"/>
-                      <a:tailEnd type="none" w="med" len="med"/>
-                    </a:lnB>
-                    <a:solidFill>
-                      <a:srgbClr val="FFFFFF"/>
-                    </a:solidFill>
-                  </a:tcPr>
-                </a:tc>
-                <a:extLst>
-                  <a:ext uri="{0D108BD9-81ED-4DB2-BD59-A6C34878D82A}">
-                    <a16:rowId xmlns:a16="http://schemas.microsoft.com/office/drawing/2014/main" val="4229930667"/>
-                  </a:ext>
-                </a:extLst>
-              </a:tr>
-              <a:tr h="807650">
-                <a:tc>
-                  <a:txBody>
-                    <a:bodyPr/>
-                    <a:lstStyle/>
-                    <a:p>
-                      <a:pPr marL="0" marR="0" algn="ctr">
-                        <a:lnSpc>
-                          <a:spcPct val="150000"/>
-                        </a:lnSpc>
-                        <a:spcBef>
-                          <a:spcPts val="0"/>
-                        </a:spcBef>
-                        <a:spcAft>
-                          <a:spcPts val="0"/>
-                        </a:spcAft>
-                      </a:pPr>
-                      <a:r>
-                        <a:rPr lang="en-US" sz="1600" b="1">
-                          <a:effectLst/>
-                          <a:latin typeface="Times New Roman" panose="02020603050405020304" pitchFamily="18" charset="0"/>
-                          <a:ea typeface="Calibri" panose="020F0502020204030204" pitchFamily="34" charset="0"/>
-                          <a:cs typeface="Arial" panose="020B0604020202020204" pitchFamily="34" charset="0"/>
-                        </a:rPr>
-                        <a:t>7</a:t>
-                      </a:r>
-                      <a:endParaRPr lang="en-US" sz="1200">
-                        <a:effectLst/>
-                        <a:latin typeface="Calibri" panose="020F0502020204030204" pitchFamily="34" charset="0"/>
-                        <a:ea typeface="Calibri" panose="020F0502020204030204" pitchFamily="34" charset="0"/>
-                        <a:cs typeface="Arial" panose="020B0604020202020204" pitchFamily="34" charset="0"/>
-                      </a:endParaRPr>
-                    </a:p>
-                  </a:txBody>
-                  <a:tcPr marL="61147" marR="61147" marT="0" marB="0">
-                    <a:lnL w="12700" cap="flat" cmpd="sng" algn="ctr">
-                      <a:solidFill>
-                        <a:srgbClr val="666666"/>
-                      </a:solidFill>
-                      <a:prstDash val="solid"/>
-                      <a:round/>
-                      <a:headEnd type="none" w="med" len="med"/>
-                      <a:tailEnd type="none" w="med" len="med"/>
-                    </a:lnL>
-                    <a:lnR w="12700" cap="flat" cmpd="sng" algn="ctr">
-                      <a:solidFill>
-                        <a:srgbClr val="666666"/>
-                      </a:solidFill>
-                      <a:prstDash val="solid"/>
-                      <a:round/>
-                      <a:headEnd type="none" w="med" len="med"/>
-                      <a:tailEnd type="none" w="med" len="med"/>
-                    </a:lnR>
-                    <a:lnT w="12700" cap="flat" cmpd="sng" algn="ctr">
-                      <a:solidFill>
-                        <a:srgbClr val="666666"/>
-                      </a:solidFill>
-                      <a:prstDash val="solid"/>
-                      <a:round/>
-                      <a:headEnd type="none" w="med" len="med"/>
-                      <a:tailEnd type="none" w="med" len="med"/>
-                    </a:lnT>
-                    <a:lnB w="12700" cap="flat" cmpd="sng" algn="ctr">
-                      <a:solidFill>
-                        <a:srgbClr val="666666"/>
-                      </a:solidFill>
-                      <a:prstDash val="solid"/>
-                      <a:round/>
-                      <a:headEnd type="none" w="med" len="med"/>
-                      <a:tailEnd type="none" w="med" len="med"/>
-                    </a:lnB>
-                    <a:solidFill>
-                      <a:srgbClr val="FFFFFF"/>
-                    </a:solidFill>
-                  </a:tcPr>
-                </a:tc>
-                <a:tc>
-                  <a:txBody>
-                    <a:bodyPr/>
-                    <a:lstStyle/>
-                    <a:p>
-                      <a:pPr marL="0" marR="0" algn="ctr">
-                        <a:lnSpc>
-                          <a:spcPct val="150000"/>
-                        </a:lnSpc>
-                        <a:spcBef>
-                          <a:spcPts val="0"/>
-                        </a:spcBef>
-                        <a:spcAft>
-                          <a:spcPts val="0"/>
-                        </a:spcAft>
-                      </a:pPr>
-                      <a:r>
-                        <a:rPr lang="en-US" sz="1600">
-                          <a:effectLst/>
-                          <a:latin typeface="Times New Roman" panose="02020603050405020304" pitchFamily="18" charset="0"/>
-                          <a:ea typeface="Calibri" panose="020F0502020204030204" pitchFamily="34" charset="0"/>
-                          <a:cs typeface="Arial" panose="020B0604020202020204" pitchFamily="34" charset="0"/>
-                        </a:rPr>
-                        <a:t>O(length of </a:t>
-                      </a:r>
-                      <a:r>
-                        <a:rPr lang="en-US" sz="1600" i="1">
-                          <a:effectLst/>
-                          <a:latin typeface="Times New Roman" panose="02020603050405020304" pitchFamily="18" charset="0"/>
-                          <a:ea typeface="Calibri" panose="020F0502020204030204" pitchFamily="34" charset="0"/>
-                          <a:cs typeface="Arial" panose="020B0604020202020204" pitchFamily="34" charset="0"/>
-                        </a:rPr>
-                        <a:t>Vc(IWD)</a:t>
-                      </a:r>
-                      <a:r>
-                        <a:rPr lang="en-US" sz="1600">
-                          <a:effectLst/>
-                          <a:latin typeface="Times New Roman" panose="02020603050405020304" pitchFamily="18" charset="0"/>
-                          <a:ea typeface="Calibri" panose="020F0502020204030204" pitchFamily="34" charset="0"/>
-                          <a:cs typeface="Arial" panose="020B0604020202020204" pitchFamily="34" charset="0"/>
-                        </a:rPr>
-                        <a:t>) *O(itermax)*O(1)</a:t>
-                      </a:r>
-                      <a:endParaRPr lang="en-US" sz="1200">
-                        <a:effectLst/>
-                        <a:latin typeface="Calibri" panose="020F0502020204030204" pitchFamily="34" charset="0"/>
-                        <a:ea typeface="Calibri" panose="020F0502020204030204" pitchFamily="34" charset="0"/>
-                        <a:cs typeface="Arial" panose="020B0604020202020204" pitchFamily="34" charset="0"/>
-                      </a:endParaRPr>
-                    </a:p>
-                  </a:txBody>
-                  <a:tcPr marL="61147" marR="61147" marT="0" marB="0">
-                    <a:lnL w="12700" cap="flat" cmpd="sng" algn="ctr">
-                      <a:solidFill>
-                        <a:srgbClr val="666666"/>
-                      </a:solidFill>
-                      <a:prstDash val="solid"/>
-                      <a:round/>
-                      <a:headEnd type="none" w="med" len="med"/>
-                      <a:tailEnd type="none" w="med" len="med"/>
-                    </a:lnL>
-                    <a:lnR w="12700" cap="flat" cmpd="sng" algn="ctr">
-                      <a:solidFill>
-                        <a:srgbClr val="666666"/>
-                      </a:solidFill>
-                      <a:prstDash val="solid"/>
-                      <a:round/>
-                      <a:headEnd type="none" w="med" len="med"/>
-                      <a:tailEnd type="none" w="med" len="med"/>
-                    </a:lnR>
-                    <a:lnT w="12700" cap="flat" cmpd="sng" algn="ctr">
-                      <a:solidFill>
-                        <a:srgbClr val="666666"/>
-                      </a:solidFill>
-                      <a:prstDash val="solid"/>
-                      <a:round/>
-                      <a:headEnd type="none" w="med" len="med"/>
-                      <a:tailEnd type="none" w="med" len="med"/>
-                    </a:lnT>
-                    <a:lnB w="12700" cap="flat" cmpd="sng" algn="ctr">
-                      <a:solidFill>
-                        <a:srgbClr val="666666"/>
-                      </a:solidFill>
-                      <a:prstDash val="solid"/>
-                      <a:round/>
-                      <a:headEnd type="none" w="med" len="med"/>
-                      <a:tailEnd type="none" w="med" len="med"/>
-                    </a:lnB>
-                    <a:solidFill>
-                      <a:srgbClr val="FFFFFF"/>
-                    </a:solidFill>
-                  </a:tcPr>
-                </a:tc>
-                <a:tc>
-                  <a:txBody>
-                    <a:bodyPr/>
-                    <a:lstStyle/>
-                    <a:p>
-                      <a:pPr marL="0" marR="0" algn="ctr">
-                        <a:lnSpc>
-                          <a:spcPct val="150000"/>
-                        </a:lnSpc>
-                        <a:spcBef>
-                          <a:spcPts val="0"/>
-                        </a:spcBef>
-                        <a:spcAft>
-                          <a:spcPts val="0"/>
-                        </a:spcAft>
-                      </a:pPr>
-                      <a:r>
-                        <a:rPr lang="en-US" sz="1600">
-                          <a:effectLst/>
-                          <a:latin typeface="Times New Roman" panose="02020603050405020304" pitchFamily="18" charset="0"/>
-                          <a:ea typeface="Calibri" panose="020F0502020204030204" pitchFamily="34" charset="0"/>
-                          <a:cs typeface="Arial" panose="020B0604020202020204" pitchFamily="34" charset="0"/>
-                        </a:rPr>
-                        <a:t>2</a:t>
-                      </a:r>
-                      <a:endParaRPr lang="en-US" sz="1200">
-                        <a:effectLst/>
-                        <a:latin typeface="Calibri" panose="020F0502020204030204" pitchFamily="34" charset="0"/>
-                        <a:ea typeface="Calibri" panose="020F0502020204030204" pitchFamily="34" charset="0"/>
-                        <a:cs typeface="Arial" panose="020B0604020202020204" pitchFamily="34" charset="0"/>
-                      </a:endParaRPr>
-                    </a:p>
-                  </a:txBody>
-                  <a:tcPr marL="61147" marR="61147" marT="0" marB="0">
-                    <a:lnL w="12700" cap="flat" cmpd="sng" algn="ctr">
-                      <a:solidFill>
-                        <a:srgbClr val="666666"/>
-                      </a:solidFill>
-                      <a:prstDash val="solid"/>
-                      <a:round/>
-                      <a:headEnd type="none" w="med" len="med"/>
-                      <a:tailEnd type="none" w="med" len="med"/>
-                    </a:lnL>
-                    <a:lnR w="12700" cap="flat" cmpd="sng" algn="ctr">
-                      <a:solidFill>
-                        <a:srgbClr val="666666"/>
-                      </a:solidFill>
-                      <a:prstDash val="solid"/>
-                      <a:round/>
-                      <a:headEnd type="none" w="med" len="med"/>
-                      <a:tailEnd type="none" w="med" len="med"/>
-                    </a:lnR>
-                    <a:lnT w="12700" cap="flat" cmpd="sng" algn="ctr">
-                      <a:solidFill>
-                        <a:srgbClr val="666666"/>
-                      </a:solidFill>
-                      <a:prstDash val="solid"/>
-                      <a:round/>
-                      <a:headEnd type="none" w="med" len="med"/>
-                      <a:tailEnd type="none" w="med" len="med"/>
-                    </a:lnT>
-                    <a:lnB w="12700" cap="flat" cmpd="sng" algn="ctr">
-                      <a:solidFill>
-                        <a:srgbClr val="666666"/>
-                      </a:solidFill>
-                      <a:prstDash val="solid"/>
-                      <a:round/>
-                      <a:headEnd type="none" w="med" len="med"/>
-                      <a:tailEnd type="none" w="med" len="med"/>
-                    </a:lnB>
-                    <a:solidFill>
-                      <a:srgbClr val="FFFFFF"/>
-                    </a:solidFill>
-                  </a:tcPr>
-                </a:tc>
-                <a:extLst>
-                  <a:ext uri="{0D108BD9-81ED-4DB2-BD59-A6C34878D82A}">
-                    <a16:rowId xmlns:a16="http://schemas.microsoft.com/office/drawing/2014/main" val="977580204"/>
-                  </a:ext>
-                </a:extLst>
-              </a:tr>
-              <a:tr h="403824">
-                <a:tc>
-                  <a:txBody>
-                    <a:bodyPr/>
-                    <a:lstStyle/>
-                    <a:p>
-                      <a:pPr marL="0" marR="0" algn="ctr">
-                        <a:lnSpc>
-                          <a:spcPct val="150000"/>
-                        </a:lnSpc>
-                        <a:spcBef>
-                          <a:spcPts val="0"/>
-                        </a:spcBef>
-                        <a:spcAft>
-                          <a:spcPts val="0"/>
-                        </a:spcAft>
-                      </a:pPr>
-                      <a:r>
-                        <a:rPr lang="en-US" sz="1600" b="1">
-                          <a:effectLst/>
-                          <a:latin typeface="Times New Roman" panose="02020603050405020304" pitchFamily="18" charset="0"/>
-                          <a:ea typeface="Calibri" panose="020F0502020204030204" pitchFamily="34" charset="0"/>
-                          <a:cs typeface="Arial" panose="020B0604020202020204" pitchFamily="34" charset="0"/>
-                        </a:rPr>
-                        <a:t>8</a:t>
-                      </a:r>
-                      <a:endParaRPr lang="en-US" sz="1200">
-                        <a:effectLst/>
-                        <a:latin typeface="Calibri" panose="020F0502020204030204" pitchFamily="34" charset="0"/>
-                        <a:ea typeface="Calibri" panose="020F0502020204030204" pitchFamily="34" charset="0"/>
-                        <a:cs typeface="Arial" panose="020B0604020202020204" pitchFamily="34" charset="0"/>
-                      </a:endParaRPr>
-                    </a:p>
-                  </a:txBody>
-                  <a:tcPr marL="61147" marR="61147" marT="0" marB="0">
-                    <a:lnL w="12700" cap="flat" cmpd="sng" algn="ctr">
-                      <a:solidFill>
-                        <a:srgbClr val="666666"/>
-                      </a:solidFill>
-                      <a:prstDash val="solid"/>
-                      <a:round/>
-                      <a:headEnd type="none" w="med" len="med"/>
-                      <a:tailEnd type="none" w="med" len="med"/>
-                    </a:lnL>
-                    <a:lnR w="12700" cap="flat" cmpd="sng" algn="ctr">
-                      <a:solidFill>
-                        <a:srgbClr val="666666"/>
-                      </a:solidFill>
-                      <a:prstDash val="solid"/>
-                      <a:round/>
-                      <a:headEnd type="none" w="med" len="med"/>
-                      <a:tailEnd type="none" w="med" len="med"/>
-                    </a:lnR>
-                    <a:lnT w="12700" cap="flat" cmpd="sng" algn="ctr">
-                      <a:solidFill>
-                        <a:srgbClr val="666666"/>
-                      </a:solidFill>
-                      <a:prstDash val="solid"/>
-                      <a:round/>
-                      <a:headEnd type="none" w="med" len="med"/>
-                      <a:tailEnd type="none" w="med" len="med"/>
-                    </a:lnT>
-                    <a:lnB w="12700" cap="flat" cmpd="sng" algn="ctr">
-                      <a:solidFill>
-                        <a:srgbClr val="666666"/>
-                      </a:solidFill>
-                      <a:prstDash val="solid"/>
-                      <a:round/>
-                      <a:headEnd type="none" w="med" len="med"/>
-                      <a:tailEnd type="none" w="med" len="med"/>
-                    </a:lnB>
-                    <a:solidFill>
-                      <a:srgbClr val="FFFFFF"/>
-                    </a:solidFill>
-                  </a:tcPr>
-                </a:tc>
-                <a:tc>
-                  <a:txBody>
-                    <a:bodyPr/>
-                    <a:lstStyle/>
-                    <a:p>
-                      <a:pPr marL="0" marR="0" algn="ctr">
-                        <a:lnSpc>
-                          <a:spcPct val="150000"/>
-                        </a:lnSpc>
-                        <a:spcBef>
-                          <a:spcPts val="0"/>
-                        </a:spcBef>
-                        <a:spcAft>
-                          <a:spcPts val="0"/>
-                        </a:spcAft>
-                      </a:pPr>
-                      <a:r>
-                        <a:rPr lang="en-US" sz="1600">
-                          <a:effectLst/>
-                          <a:latin typeface="Times New Roman" panose="02020603050405020304" pitchFamily="18" charset="0"/>
-                          <a:ea typeface="Calibri" panose="020F0502020204030204" pitchFamily="34" charset="0"/>
-                          <a:cs typeface="Arial" panose="020B0604020202020204" pitchFamily="34" charset="0"/>
-                        </a:rPr>
-                        <a:t>O(1) *O(itermax)</a:t>
-                      </a:r>
-                      <a:endParaRPr lang="en-US" sz="1200">
-                        <a:effectLst/>
-                        <a:latin typeface="Calibri" panose="020F0502020204030204" pitchFamily="34" charset="0"/>
-                        <a:ea typeface="Calibri" panose="020F0502020204030204" pitchFamily="34" charset="0"/>
-                        <a:cs typeface="Arial" panose="020B0604020202020204" pitchFamily="34" charset="0"/>
-                      </a:endParaRPr>
-                    </a:p>
-                  </a:txBody>
-                  <a:tcPr marL="61147" marR="61147" marT="0" marB="0">
-                    <a:lnL w="12700" cap="flat" cmpd="sng" algn="ctr">
-                      <a:solidFill>
-                        <a:srgbClr val="666666"/>
-                      </a:solidFill>
-                      <a:prstDash val="solid"/>
-                      <a:round/>
-                      <a:headEnd type="none" w="med" len="med"/>
-                      <a:tailEnd type="none" w="med" len="med"/>
-                    </a:lnL>
-                    <a:lnR w="12700" cap="flat" cmpd="sng" algn="ctr">
-                      <a:solidFill>
-                        <a:srgbClr val="666666"/>
-                      </a:solidFill>
-                      <a:prstDash val="solid"/>
-                      <a:round/>
-                      <a:headEnd type="none" w="med" len="med"/>
-                      <a:tailEnd type="none" w="med" len="med"/>
-                    </a:lnR>
-                    <a:lnT w="12700" cap="flat" cmpd="sng" algn="ctr">
-                      <a:solidFill>
-                        <a:srgbClr val="666666"/>
-                      </a:solidFill>
-                      <a:prstDash val="solid"/>
-                      <a:round/>
-                      <a:headEnd type="none" w="med" len="med"/>
-                      <a:tailEnd type="none" w="med" len="med"/>
-                    </a:lnT>
-                    <a:lnB w="12700" cap="flat" cmpd="sng" algn="ctr">
-                      <a:solidFill>
-                        <a:srgbClr val="666666"/>
-                      </a:solidFill>
-                      <a:prstDash val="solid"/>
-                      <a:round/>
-                      <a:headEnd type="none" w="med" len="med"/>
-                      <a:tailEnd type="none" w="med" len="med"/>
-                    </a:lnB>
-                    <a:solidFill>
-                      <a:srgbClr val="FFFFFF"/>
-                    </a:solidFill>
-                  </a:tcPr>
-                </a:tc>
-                <a:tc>
-                  <a:txBody>
-                    <a:bodyPr/>
-                    <a:lstStyle/>
-                    <a:p>
-                      <a:pPr marL="0" marR="0" algn="ctr">
-                        <a:lnSpc>
-                          <a:spcPct val="150000"/>
-                        </a:lnSpc>
-                        <a:spcBef>
-                          <a:spcPts val="0"/>
-                        </a:spcBef>
-                        <a:spcAft>
-                          <a:spcPts val="0"/>
-                        </a:spcAft>
-                      </a:pPr>
-                      <a:r>
-                        <a:rPr lang="en-US" sz="1600">
-                          <a:effectLst/>
-                          <a:latin typeface="Times New Roman" panose="02020603050405020304" pitchFamily="18" charset="0"/>
-                          <a:ea typeface="Calibri" panose="020F0502020204030204" pitchFamily="34" charset="0"/>
-                          <a:cs typeface="Arial" panose="020B0604020202020204" pitchFamily="34" charset="0"/>
-                        </a:rPr>
-                        <a:t> </a:t>
-                      </a:r>
-                      <a:endParaRPr lang="en-US" sz="1200">
-                        <a:effectLst/>
-                        <a:latin typeface="Calibri" panose="020F0502020204030204" pitchFamily="34" charset="0"/>
-                        <a:ea typeface="Calibri" panose="020F0502020204030204" pitchFamily="34" charset="0"/>
-                        <a:cs typeface="Arial" panose="020B0604020202020204" pitchFamily="34" charset="0"/>
-                      </a:endParaRPr>
-                    </a:p>
-                  </a:txBody>
-                  <a:tcPr marL="61147" marR="61147" marT="0" marB="0">
-                    <a:lnL w="12700" cap="flat" cmpd="sng" algn="ctr">
-                      <a:solidFill>
-                        <a:srgbClr val="666666"/>
-                      </a:solidFill>
-                      <a:prstDash val="solid"/>
-                      <a:round/>
-                      <a:headEnd type="none" w="med" len="med"/>
-                      <a:tailEnd type="none" w="med" len="med"/>
-                    </a:lnL>
-                    <a:lnR w="12700" cap="flat" cmpd="sng" algn="ctr">
-                      <a:solidFill>
-                        <a:srgbClr val="666666"/>
-                      </a:solidFill>
-                      <a:prstDash val="solid"/>
-                      <a:round/>
-                      <a:headEnd type="none" w="med" len="med"/>
-                      <a:tailEnd type="none" w="med" len="med"/>
-                    </a:lnR>
-                    <a:lnT w="12700" cap="flat" cmpd="sng" algn="ctr">
-                      <a:solidFill>
-                        <a:srgbClr val="666666"/>
-                      </a:solidFill>
-                      <a:prstDash val="solid"/>
-                      <a:round/>
-                      <a:headEnd type="none" w="med" len="med"/>
-                      <a:tailEnd type="none" w="med" len="med"/>
-                    </a:lnT>
-                    <a:lnB w="12700" cap="flat" cmpd="sng" algn="ctr">
-                      <a:solidFill>
-                        <a:srgbClr val="666666"/>
-                      </a:solidFill>
-                      <a:prstDash val="solid"/>
-                      <a:round/>
-                      <a:headEnd type="none" w="med" len="med"/>
-                      <a:tailEnd type="none" w="med" len="med"/>
-                    </a:lnB>
-                    <a:solidFill>
-                      <a:srgbClr val="FFFFFF"/>
-                    </a:solidFill>
-                  </a:tcPr>
-                </a:tc>
-                <a:extLst>
-                  <a:ext uri="{0D108BD9-81ED-4DB2-BD59-A6C34878D82A}">
-                    <a16:rowId xmlns:a16="http://schemas.microsoft.com/office/drawing/2014/main" val="3514456311"/>
-                  </a:ext>
-                </a:extLst>
-              </a:tr>
-              <a:tr h="403824">
-                <a:tc>
-                  <a:txBody>
-                    <a:bodyPr/>
-                    <a:lstStyle/>
-                    <a:p>
-                      <a:pPr marL="0" marR="0" algn="ctr">
-                        <a:lnSpc>
-                          <a:spcPct val="150000"/>
-                        </a:lnSpc>
-                        <a:spcBef>
-                          <a:spcPts val="0"/>
-                        </a:spcBef>
-                        <a:spcAft>
-                          <a:spcPts val="0"/>
-                        </a:spcAft>
-                      </a:pPr>
-                      <a:r>
-                        <a:rPr lang="en-US" sz="1600" b="1">
-                          <a:effectLst/>
-                          <a:latin typeface="Times New Roman" panose="02020603050405020304" pitchFamily="18" charset="0"/>
-                          <a:ea typeface="Calibri" panose="020F0502020204030204" pitchFamily="34" charset="0"/>
-                          <a:cs typeface="Arial" panose="020B0604020202020204" pitchFamily="34" charset="0"/>
-                        </a:rPr>
-                        <a:t>9</a:t>
-                      </a:r>
-                      <a:endParaRPr lang="en-US" sz="1200">
-                        <a:effectLst/>
-                        <a:latin typeface="Calibri" panose="020F0502020204030204" pitchFamily="34" charset="0"/>
-                        <a:ea typeface="Calibri" panose="020F0502020204030204" pitchFamily="34" charset="0"/>
-                        <a:cs typeface="Arial" panose="020B0604020202020204" pitchFamily="34" charset="0"/>
-                      </a:endParaRPr>
-                    </a:p>
-                  </a:txBody>
-                  <a:tcPr marL="61147" marR="61147" marT="0" marB="0">
-                    <a:lnL w="12700" cap="flat" cmpd="sng" algn="ctr">
-                      <a:solidFill>
-                        <a:srgbClr val="666666"/>
-                      </a:solidFill>
-                      <a:prstDash val="solid"/>
-                      <a:round/>
-                      <a:headEnd type="none" w="med" len="med"/>
-                      <a:tailEnd type="none" w="med" len="med"/>
-                    </a:lnL>
-                    <a:lnR w="12700" cap="flat" cmpd="sng" algn="ctr">
-                      <a:solidFill>
-                        <a:srgbClr val="666666"/>
-                      </a:solidFill>
-                      <a:prstDash val="solid"/>
-                      <a:round/>
-                      <a:headEnd type="none" w="med" len="med"/>
-                      <a:tailEnd type="none" w="med" len="med"/>
-                    </a:lnR>
-                    <a:lnT w="12700" cap="flat" cmpd="sng" algn="ctr">
-                      <a:solidFill>
-                        <a:srgbClr val="666666"/>
-                      </a:solidFill>
-                      <a:prstDash val="solid"/>
-                      <a:round/>
-                      <a:headEnd type="none" w="med" len="med"/>
-                      <a:tailEnd type="none" w="med" len="med"/>
-                    </a:lnT>
-                    <a:lnB w="12700" cap="flat" cmpd="sng" algn="ctr">
-                      <a:solidFill>
-                        <a:srgbClr val="666666"/>
-                      </a:solidFill>
-                      <a:prstDash val="solid"/>
-                      <a:round/>
-                      <a:headEnd type="none" w="med" len="med"/>
-                      <a:tailEnd type="none" w="med" len="med"/>
-                    </a:lnB>
-                    <a:solidFill>
-                      <a:srgbClr val="FFFFFF"/>
-                    </a:solidFill>
-                  </a:tcPr>
-                </a:tc>
-                <a:tc>
-                  <a:txBody>
-                    <a:bodyPr/>
-                    <a:lstStyle/>
-                    <a:p>
-                      <a:pPr marL="0" marR="0" algn="ctr">
-                        <a:lnSpc>
-                          <a:spcPct val="150000"/>
-                        </a:lnSpc>
-                        <a:spcBef>
-                          <a:spcPts val="0"/>
-                        </a:spcBef>
-                        <a:spcAft>
-                          <a:spcPts val="0"/>
-                        </a:spcAft>
-                      </a:pPr>
-                      <a:r>
-                        <a:rPr lang="en-US" sz="1600">
-                          <a:effectLst/>
-                          <a:latin typeface="Times New Roman" panose="02020603050405020304" pitchFamily="18" charset="0"/>
-                          <a:ea typeface="Calibri" panose="020F0502020204030204" pitchFamily="34" charset="0"/>
-                          <a:cs typeface="Arial" panose="020B0604020202020204" pitchFamily="34" charset="0"/>
-                        </a:rPr>
-                        <a:t>O(1) *O(itermax)</a:t>
-                      </a:r>
-                      <a:endParaRPr lang="en-US" sz="1200">
-                        <a:effectLst/>
-                        <a:latin typeface="Calibri" panose="020F0502020204030204" pitchFamily="34" charset="0"/>
-                        <a:ea typeface="Calibri" panose="020F0502020204030204" pitchFamily="34" charset="0"/>
-                        <a:cs typeface="Arial" panose="020B0604020202020204" pitchFamily="34" charset="0"/>
-                      </a:endParaRPr>
-                    </a:p>
-                  </a:txBody>
-                  <a:tcPr marL="61147" marR="61147" marT="0" marB="0">
-                    <a:lnL w="12700" cap="flat" cmpd="sng" algn="ctr">
-                      <a:solidFill>
-                        <a:srgbClr val="666666"/>
-                      </a:solidFill>
-                      <a:prstDash val="solid"/>
-                      <a:round/>
-                      <a:headEnd type="none" w="med" len="med"/>
-                      <a:tailEnd type="none" w="med" len="med"/>
-                    </a:lnL>
-                    <a:lnR w="12700" cap="flat" cmpd="sng" algn="ctr">
-                      <a:solidFill>
-                        <a:srgbClr val="666666"/>
-                      </a:solidFill>
-                      <a:prstDash val="solid"/>
-                      <a:round/>
-                      <a:headEnd type="none" w="med" len="med"/>
-                      <a:tailEnd type="none" w="med" len="med"/>
-                    </a:lnR>
-                    <a:lnT w="12700" cap="flat" cmpd="sng" algn="ctr">
-                      <a:solidFill>
-                        <a:srgbClr val="666666"/>
-                      </a:solidFill>
-                      <a:prstDash val="solid"/>
-                      <a:round/>
-                      <a:headEnd type="none" w="med" len="med"/>
-                      <a:tailEnd type="none" w="med" len="med"/>
-                    </a:lnT>
-                    <a:lnB w="12700" cap="flat" cmpd="sng" algn="ctr">
-                      <a:solidFill>
-                        <a:srgbClr val="666666"/>
-                      </a:solidFill>
-                      <a:prstDash val="solid"/>
-                      <a:round/>
-                      <a:headEnd type="none" w="med" len="med"/>
-                      <a:tailEnd type="none" w="med" len="med"/>
-                    </a:lnB>
-                    <a:solidFill>
-                      <a:srgbClr val="FFFFFF"/>
-                    </a:solidFill>
-                  </a:tcPr>
-                </a:tc>
-                <a:tc>
-                  <a:txBody>
-                    <a:bodyPr/>
-                    <a:lstStyle/>
-                    <a:p>
-                      <a:pPr marL="0" marR="0" algn="ctr">
-                        <a:lnSpc>
-                          <a:spcPct val="150000"/>
-                        </a:lnSpc>
-                        <a:spcBef>
-                          <a:spcPts val="0"/>
-                        </a:spcBef>
-                        <a:spcAft>
-                          <a:spcPts val="0"/>
-                        </a:spcAft>
-                      </a:pPr>
-                      <a:r>
-                        <a:rPr lang="en-US" sz="1600">
-                          <a:effectLst/>
-                          <a:latin typeface="Times New Roman" panose="02020603050405020304" pitchFamily="18" charset="0"/>
-                          <a:ea typeface="Calibri" panose="020F0502020204030204" pitchFamily="34" charset="0"/>
-                          <a:cs typeface="Arial" panose="020B0604020202020204" pitchFamily="34" charset="0"/>
-                        </a:rPr>
-                        <a:t>1</a:t>
-                      </a:r>
-                      <a:endParaRPr lang="en-US" sz="1200">
-                        <a:effectLst/>
-                        <a:latin typeface="Calibri" panose="020F0502020204030204" pitchFamily="34" charset="0"/>
-                        <a:ea typeface="Calibri" panose="020F0502020204030204" pitchFamily="34" charset="0"/>
-                        <a:cs typeface="Arial" panose="020B0604020202020204" pitchFamily="34" charset="0"/>
-                      </a:endParaRPr>
-                    </a:p>
-                  </a:txBody>
-                  <a:tcPr marL="61147" marR="61147" marT="0" marB="0">
-                    <a:lnL w="12700" cap="flat" cmpd="sng" algn="ctr">
-                      <a:solidFill>
-                        <a:srgbClr val="666666"/>
-                      </a:solidFill>
-                      <a:prstDash val="solid"/>
-                      <a:round/>
-                      <a:headEnd type="none" w="med" len="med"/>
-                      <a:tailEnd type="none" w="med" len="med"/>
-                    </a:lnL>
-                    <a:lnR w="12700" cap="flat" cmpd="sng" algn="ctr">
-                      <a:solidFill>
-                        <a:srgbClr val="666666"/>
-                      </a:solidFill>
-                      <a:prstDash val="solid"/>
-                      <a:round/>
-                      <a:headEnd type="none" w="med" len="med"/>
-                      <a:tailEnd type="none" w="med" len="med"/>
-                    </a:lnR>
-                    <a:lnT w="12700" cap="flat" cmpd="sng" algn="ctr">
-                      <a:solidFill>
-                        <a:srgbClr val="666666"/>
-                      </a:solidFill>
-                      <a:prstDash val="solid"/>
-                      <a:round/>
-                      <a:headEnd type="none" w="med" len="med"/>
-                      <a:tailEnd type="none" w="med" len="med"/>
-                    </a:lnT>
-                    <a:lnB w="12700" cap="flat" cmpd="sng" algn="ctr">
-                      <a:solidFill>
-                        <a:srgbClr val="666666"/>
-                      </a:solidFill>
-                      <a:prstDash val="solid"/>
-                      <a:round/>
-                      <a:headEnd type="none" w="med" len="med"/>
-                      <a:tailEnd type="none" w="med" len="med"/>
-                    </a:lnB>
-                    <a:solidFill>
-                      <a:srgbClr val="FFFFFF"/>
-                    </a:solidFill>
-                  </a:tcPr>
-                </a:tc>
-                <a:extLst>
-                  <a:ext uri="{0D108BD9-81ED-4DB2-BD59-A6C34878D82A}">
-                    <a16:rowId xmlns:a16="http://schemas.microsoft.com/office/drawing/2014/main" val="4018930323"/>
-                  </a:ext>
-                </a:extLst>
-              </a:tr>
-              <a:tr h="403824">
-                <a:tc>
-                  <a:txBody>
-                    <a:bodyPr/>
-                    <a:lstStyle/>
-                    <a:p>
-                      <a:pPr marL="0" marR="0" algn="ctr">
-                        <a:lnSpc>
-                          <a:spcPct val="150000"/>
-                        </a:lnSpc>
-                        <a:spcBef>
-                          <a:spcPts val="0"/>
-                        </a:spcBef>
-                        <a:spcAft>
-                          <a:spcPts val="0"/>
-                        </a:spcAft>
-                      </a:pPr>
-                      <a:r>
-                        <a:rPr lang="en-US" sz="1600" b="1">
-                          <a:effectLst/>
-                          <a:latin typeface="Times New Roman" panose="02020603050405020304" pitchFamily="18" charset="0"/>
-                          <a:ea typeface="Calibri" panose="020F0502020204030204" pitchFamily="34" charset="0"/>
-                          <a:cs typeface="Arial" panose="020B0604020202020204" pitchFamily="34" charset="0"/>
-                        </a:rPr>
-                        <a:t>10</a:t>
-                      </a:r>
-                      <a:endParaRPr lang="en-US" sz="1200">
-                        <a:effectLst/>
-                        <a:latin typeface="Calibri" panose="020F0502020204030204" pitchFamily="34" charset="0"/>
-                        <a:ea typeface="Calibri" panose="020F0502020204030204" pitchFamily="34" charset="0"/>
-                        <a:cs typeface="Arial" panose="020B0604020202020204" pitchFamily="34" charset="0"/>
-                      </a:endParaRPr>
-                    </a:p>
-                  </a:txBody>
-                  <a:tcPr marL="61147" marR="61147" marT="0" marB="0">
-                    <a:lnL w="12700" cap="flat" cmpd="sng" algn="ctr">
-                      <a:solidFill>
-                        <a:srgbClr val="666666"/>
-                      </a:solidFill>
-                      <a:prstDash val="solid"/>
-                      <a:round/>
-                      <a:headEnd type="none" w="med" len="med"/>
-                      <a:tailEnd type="none" w="med" len="med"/>
-                    </a:lnL>
-                    <a:lnR w="12700" cap="flat" cmpd="sng" algn="ctr">
-                      <a:solidFill>
-                        <a:srgbClr val="666666"/>
-                      </a:solidFill>
-                      <a:prstDash val="solid"/>
-                      <a:round/>
-                      <a:headEnd type="none" w="med" len="med"/>
-                      <a:tailEnd type="none" w="med" len="med"/>
-                    </a:lnR>
-                    <a:lnT w="12700" cap="flat" cmpd="sng" algn="ctr">
-                      <a:solidFill>
-                        <a:srgbClr val="666666"/>
-                      </a:solidFill>
-                      <a:prstDash val="solid"/>
-                      <a:round/>
-                      <a:headEnd type="none" w="med" len="med"/>
-                      <a:tailEnd type="none" w="med" len="med"/>
-                    </a:lnT>
-                    <a:lnB w="12700" cap="flat" cmpd="sng" algn="ctr">
-                      <a:solidFill>
-                        <a:srgbClr val="666666"/>
-                      </a:solidFill>
-                      <a:prstDash val="solid"/>
-                      <a:round/>
-                      <a:headEnd type="none" w="med" len="med"/>
-                      <a:tailEnd type="none" w="med" len="med"/>
-                    </a:lnB>
-                    <a:solidFill>
-                      <a:srgbClr val="FFFFFF"/>
-                    </a:solidFill>
-                  </a:tcPr>
-                </a:tc>
-                <a:tc>
-                  <a:txBody>
-                    <a:bodyPr/>
-                    <a:lstStyle/>
-                    <a:p>
-                      <a:pPr marL="0" marR="0" algn="ctr">
-                        <a:lnSpc>
-                          <a:spcPct val="150000"/>
-                        </a:lnSpc>
-                        <a:spcBef>
-                          <a:spcPts val="0"/>
-                        </a:spcBef>
-                        <a:spcAft>
-                          <a:spcPts val="0"/>
-                        </a:spcAft>
-                      </a:pPr>
-                      <a:r>
-                        <a:rPr lang="en-US" sz="1600">
-                          <a:effectLst/>
-                          <a:latin typeface="Times New Roman" panose="02020603050405020304" pitchFamily="18" charset="0"/>
-                          <a:ea typeface="Calibri" panose="020F0502020204030204" pitchFamily="34" charset="0"/>
-                          <a:cs typeface="Arial" panose="020B0604020202020204" pitchFamily="34" charset="0"/>
-                        </a:rPr>
-                        <a:t>O(1)</a:t>
-                      </a:r>
-                      <a:endParaRPr lang="en-US" sz="1200">
-                        <a:effectLst/>
-                        <a:latin typeface="Calibri" panose="020F0502020204030204" pitchFamily="34" charset="0"/>
-                        <a:ea typeface="Calibri" panose="020F0502020204030204" pitchFamily="34" charset="0"/>
-                        <a:cs typeface="Arial" panose="020B0604020202020204" pitchFamily="34" charset="0"/>
-                      </a:endParaRPr>
-                    </a:p>
-                  </a:txBody>
-                  <a:tcPr marL="61147" marR="61147" marT="0" marB="0">
-                    <a:lnL w="12700" cap="flat" cmpd="sng" algn="ctr">
-                      <a:solidFill>
-                        <a:srgbClr val="666666"/>
-                      </a:solidFill>
-                      <a:prstDash val="solid"/>
-                      <a:round/>
-                      <a:headEnd type="none" w="med" len="med"/>
-                      <a:tailEnd type="none" w="med" len="med"/>
-                    </a:lnL>
-                    <a:lnR w="12700" cap="flat" cmpd="sng" algn="ctr">
-                      <a:solidFill>
-                        <a:srgbClr val="666666"/>
-                      </a:solidFill>
-                      <a:prstDash val="solid"/>
-                      <a:round/>
-                      <a:headEnd type="none" w="med" len="med"/>
-                      <a:tailEnd type="none" w="med" len="med"/>
-                    </a:lnR>
-                    <a:lnT w="12700" cap="flat" cmpd="sng" algn="ctr">
-                      <a:solidFill>
-                        <a:srgbClr val="666666"/>
-                      </a:solidFill>
-                      <a:prstDash val="solid"/>
-                      <a:round/>
-                      <a:headEnd type="none" w="med" len="med"/>
-                      <a:tailEnd type="none" w="med" len="med"/>
-                    </a:lnT>
-                    <a:lnB w="12700" cap="flat" cmpd="sng" algn="ctr">
-                      <a:solidFill>
-                        <a:srgbClr val="666666"/>
-                      </a:solidFill>
-                      <a:prstDash val="solid"/>
-                      <a:round/>
-                      <a:headEnd type="none" w="med" len="med"/>
-                      <a:tailEnd type="none" w="med" len="med"/>
-                    </a:lnB>
-                    <a:solidFill>
-                      <a:srgbClr val="FFFFFF"/>
-                    </a:solidFill>
-                  </a:tcPr>
-                </a:tc>
-                <a:tc>
-                  <a:txBody>
-                    <a:bodyPr/>
-                    <a:lstStyle/>
-                    <a:p>
-                      <a:pPr marL="0" marR="0" algn="ctr">
-                        <a:lnSpc>
-                          <a:spcPct val="150000"/>
-                        </a:lnSpc>
-                        <a:spcBef>
-                          <a:spcPts val="0"/>
-                        </a:spcBef>
-                        <a:spcAft>
-                          <a:spcPts val="0"/>
-                        </a:spcAft>
-                      </a:pPr>
-                      <a:r>
-                        <a:rPr lang="en-US" sz="1600" dirty="0">
-                          <a:effectLst/>
-                          <a:latin typeface="Times New Roman" panose="02020603050405020304" pitchFamily="18" charset="0"/>
-                          <a:ea typeface="Calibri" panose="020F0502020204030204" pitchFamily="34" charset="0"/>
-                          <a:cs typeface="Arial" panose="020B0604020202020204" pitchFamily="34" charset="0"/>
-                        </a:rPr>
-                        <a:t>1</a:t>
-                      </a:r>
-                      <a:endParaRPr lang="en-US" sz="1200" dirty="0">
-                        <a:effectLst/>
-                        <a:latin typeface="Calibri" panose="020F0502020204030204" pitchFamily="34" charset="0"/>
-                        <a:ea typeface="Calibri" panose="020F0502020204030204" pitchFamily="34" charset="0"/>
-                        <a:cs typeface="Arial" panose="020B0604020202020204" pitchFamily="34" charset="0"/>
-                      </a:endParaRPr>
-                    </a:p>
-                  </a:txBody>
-                  <a:tcPr marL="61147" marR="61147" marT="0" marB="0">
-                    <a:lnL w="12700" cap="flat" cmpd="sng" algn="ctr">
-                      <a:solidFill>
-                        <a:srgbClr val="666666"/>
-                      </a:solidFill>
-                      <a:prstDash val="solid"/>
-                      <a:round/>
-                      <a:headEnd type="none" w="med" len="med"/>
-                      <a:tailEnd type="none" w="med" len="med"/>
-                    </a:lnL>
-                    <a:lnR w="12700" cap="flat" cmpd="sng" algn="ctr">
-                      <a:solidFill>
-                        <a:srgbClr val="666666"/>
-                      </a:solidFill>
-                      <a:prstDash val="solid"/>
-                      <a:round/>
-                      <a:headEnd type="none" w="med" len="med"/>
-                      <a:tailEnd type="none" w="med" len="med"/>
-                    </a:lnR>
-                    <a:lnT w="12700" cap="flat" cmpd="sng" algn="ctr">
-                      <a:solidFill>
-                        <a:srgbClr val="666666"/>
-                      </a:solidFill>
-                      <a:prstDash val="solid"/>
-                      <a:round/>
-                      <a:headEnd type="none" w="med" len="med"/>
-                      <a:tailEnd type="none" w="med" len="med"/>
-                    </a:lnT>
-                    <a:lnB w="12700" cap="flat" cmpd="sng" algn="ctr">
-                      <a:solidFill>
-                        <a:srgbClr val="666666"/>
-                      </a:solidFill>
-                      <a:prstDash val="solid"/>
-                      <a:round/>
-                      <a:headEnd type="none" w="med" len="med"/>
-                      <a:tailEnd type="none" w="med" len="med"/>
-                    </a:lnB>
-                    <a:solidFill>
-                      <a:srgbClr val="FFFFFF"/>
-                    </a:solidFill>
-                  </a:tcPr>
-                </a:tc>
-                <a:extLst>
-                  <a:ext uri="{0D108BD9-81ED-4DB2-BD59-A6C34878D82A}">
-                    <a16:rowId xmlns:a16="http://schemas.microsoft.com/office/drawing/2014/main" val="2563734675"/>
-                  </a:ext>
-                </a:extLst>
-              </a:tr>
-            </a:tbl>
-          </a:graphicData>
-        </a:graphic>
-      </p:graphicFrame>
+      <p:pic>
+        <p:nvPicPr>
+          <p:cNvPr id="4" name="Picture 3"/>
+          <p:cNvPicPr>
+            <a:picLocks noChangeAspect="1"/>
+          </p:cNvPicPr>
+          <p:nvPr/>
+        </p:nvPicPr>
+        <p:blipFill>
+          <a:blip r:embed="rId2"/>
+          <a:stretch>
+            <a:fillRect/>
+          </a:stretch>
+        </p:blipFill>
+        <p:spPr>
+          <a:xfrm>
+            <a:off x="1464815" y="446872"/>
+            <a:ext cx="8584707" cy="5004017"/>
+          </a:xfrm>
+          <a:prstGeom prst="rect">
+            <a:avLst/>
+          </a:prstGeom>
+        </p:spPr>
+      </p:pic>
+      <p:sp>
+        <p:nvSpPr>
+          <p:cNvPr id="5" name="TextBox 4"/>
+          <p:cNvSpPr txBox="1"/>
+          <p:nvPr/>
+        </p:nvSpPr>
+        <p:spPr>
+          <a:xfrm>
+            <a:off x="1597979" y="5149048"/>
+            <a:ext cx="8318377" cy="1600438"/>
+          </a:xfrm>
+          <a:prstGeom prst="rect">
+            <a:avLst/>
+          </a:prstGeom>
+          <a:solidFill>
+            <a:schemeClr val="bg1"/>
+          </a:solidFill>
+          <a:ln w="57150">
+            <a:solidFill>
+              <a:schemeClr val="tx1"/>
+            </a:solidFill>
+          </a:ln>
+        </p:spPr>
+        <p:txBody>
+          <a:bodyPr wrap="square" rtlCol="0">
+            <a:spAutoFit/>
+          </a:bodyPr>
+          <a:lstStyle/>
+          <a:p>
+            <a:r>
+              <a:rPr lang="en-US" sz="1400" i="1" dirty="0"/>
+              <a:t>Assuming V&lt;E and </a:t>
+            </a:r>
+            <a:r>
+              <a:rPr lang="en-US" sz="1400" i="1" dirty="0" smtClean="0"/>
+              <a:t>V=</a:t>
+            </a:r>
+            <a:r>
+              <a:rPr lang="en-US" sz="1400" i="1" dirty="0" err="1" smtClean="0"/>
+              <a:t>Niwd</a:t>
+            </a:r>
+            <a:endParaRPr lang="en-US" sz="1400" dirty="0"/>
+          </a:p>
+          <a:p>
+            <a:r>
+              <a:rPr lang="en-US" sz="1400" i="1" dirty="0"/>
+              <a:t> </a:t>
+            </a:r>
+            <a:r>
+              <a:rPr lang="en-US" sz="1400" b="1" dirty="0"/>
+              <a:t>Total Complexity </a:t>
+            </a:r>
+            <a:r>
+              <a:rPr lang="en-US" sz="1400" dirty="0"/>
+              <a:t>= O(E)*O(</a:t>
+            </a:r>
+            <a:r>
+              <a:rPr lang="en-US" sz="1400" dirty="0" err="1"/>
+              <a:t>Niwd</a:t>
+            </a:r>
+            <a:r>
+              <a:rPr lang="en-US" sz="1400" dirty="0"/>
+              <a:t>)*O(</a:t>
+            </a:r>
+            <a:r>
+              <a:rPr lang="en-US" sz="1400" dirty="0" err="1"/>
+              <a:t>itermax</a:t>
+            </a:r>
+            <a:r>
+              <a:rPr lang="en-US" sz="1400" dirty="0"/>
+              <a:t>)</a:t>
+            </a:r>
+          </a:p>
+          <a:p>
+            <a:r>
+              <a:rPr lang="en-US" sz="1400" dirty="0"/>
+              <a:t>			</a:t>
+            </a:r>
+            <a:r>
+              <a:rPr lang="en-US" sz="1400" b="1" dirty="0"/>
+              <a:t>O(E*</a:t>
+            </a:r>
+            <a:r>
+              <a:rPr lang="en-US" sz="1400" b="1" dirty="0" err="1"/>
+              <a:t>Niwd</a:t>
+            </a:r>
+            <a:r>
+              <a:rPr lang="en-US" sz="1400" b="1" dirty="0"/>
+              <a:t>*</a:t>
+            </a:r>
+            <a:r>
+              <a:rPr lang="en-US" sz="1400" b="1" dirty="0" err="1"/>
+              <a:t>itermax</a:t>
+            </a:r>
+            <a:r>
+              <a:rPr lang="en-US" sz="1400" b="1" dirty="0"/>
+              <a:t>) or O(E*V*</a:t>
+            </a:r>
+            <a:r>
+              <a:rPr lang="en-US" sz="1400" b="1" dirty="0" err="1"/>
+              <a:t>itermax</a:t>
+            </a:r>
+            <a:r>
+              <a:rPr lang="en-US" sz="1400" b="1" dirty="0" smtClean="0"/>
+              <a:t>)</a:t>
+            </a:r>
+            <a:endParaRPr lang="en-US" sz="1400" b="1" dirty="0"/>
+          </a:p>
+          <a:p>
+            <a:r>
+              <a:rPr lang="en-US" sz="1400" i="1" dirty="0"/>
+              <a:t>For further details, see the File “Complexity Analysis Unweighted Graph.py” on </a:t>
+            </a:r>
+            <a:r>
+              <a:rPr lang="en-US" sz="1400" i="1" dirty="0" err="1"/>
+              <a:t>Git</a:t>
+            </a:r>
+            <a:r>
+              <a:rPr lang="en-US" sz="1400" i="1" dirty="0"/>
+              <a:t> -&gt; Code.</a:t>
+            </a:r>
+            <a:endParaRPr lang="en-US" sz="1400" dirty="0"/>
+          </a:p>
+          <a:p>
+            <a:r>
+              <a:rPr lang="en-US" sz="1400" dirty="0"/>
+              <a:t>          In evaluating the space complexity, we will just consider the data space. </a:t>
+            </a:r>
+          </a:p>
+          <a:p>
+            <a:r>
+              <a:rPr lang="en-US" sz="1400" dirty="0"/>
+              <a:t>    </a:t>
+            </a:r>
+            <a:r>
+              <a:rPr lang="en-US" sz="1400" b="1" dirty="0"/>
+              <a:t>Total Space Complexity </a:t>
+            </a:r>
+            <a:r>
+              <a:rPr lang="en-US" sz="1400" dirty="0"/>
+              <a:t>= 18 + 3 + 10+ 2+ 2 +1 +1 = </a:t>
+            </a:r>
+            <a:r>
+              <a:rPr lang="en-US" sz="1400" b="1" dirty="0"/>
+              <a:t>37 Words</a:t>
+            </a:r>
+          </a:p>
+          <a:p>
+            <a:endParaRPr lang="en-US" sz="1400" b="1" dirty="0"/>
+          </a:p>
+        </p:txBody>
+      </p:sp>
     </p:spTree>
     <p:extLst>
       <p:ext uri="{BB962C8B-B14F-4D97-AF65-F5344CB8AC3E}">
@@ -10271,7 +7827,6 @@
               <a:rPr lang="en-US" sz="1600" dirty="0" smtClean="0"/>
               <a:t>Implementation </a:t>
             </a:r>
-            <a:endParaRPr lang="en-US" sz="1600" dirty="0" smtClean="0"/>
           </a:p>
           <a:p>
             <a:pPr marL="0" indent="0">
@@ -10282,13 +7837,8 @@
           <a:p>
             <a:r>
               <a:rPr lang="en-US" sz="1600" dirty="0" smtClean="0"/>
-              <a:t>Run-time complexity </a:t>
-            </a:r>
-            <a:r>
-              <a:rPr lang="en-US" sz="1600" dirty="0" smtClean="0"/>
-              <a:t>analysis (with un-weighted graph)</a:t>
-            </a:r>
-            <a:endParaRPr lang="en-US" sz="1600" dirty="0" smtClean="0"/>
+              <a:t>Run-time complexity analysis (with un-weighted graph)</a:t>
+            </a:r>
           </a:p>
           <a:p>
             <a:pPr marL="0" indent="0">
@@ -10324,11 +7874,7 @@
           <a:p>
             <a:r>
               <a:rPr lang="en-US" sz="1600" dirty="0" smtClean="0"/>
-              <a:t>Validation of </a:t>
-            </a:r>
-            <a:r>
-              <a:rPr lang="en-US" sz="1600" dirty="0" smtClean="0"/>
-              <a:t>output</a:t>
+              <a:t>Validation of output</a:t>
             </a:r>
           </a:p>
           <a:p>

--- a/Documentation/Interim Demo.pptx
+++ b/Documentation/Interim Demo.pptx
@@ -8,10 +8,11 @@
     <p:sldId id="256" r:id="rId2"/>
     <p:sldId id="257" r:id="rId3"/>
     <p:sldId id="258" r:id="rId4"/>
-    <p:sldId id="259" r:id="rId5"/>
-    <p:sldId id="262" r:id="rId6"/>
-    <p:sldId id="265" r:id="rId7"/>
-    <p:sldId id="266" r:id="rId8"/>
+    <p:sldId id="267" r:id="rId5"/>
+    <p:sldId id="259" r:id="rId6"/>
+    <p:sldId id="262" r:id="rId7"/>
+    <p:sldId id="265" r:id="rId8"/>
+    <p:sldId id="266" r:id="rId9"/>
   </p:sldIdLst>
   <p:sldSz cx="12192000" cy="6858000"/>
   <p:notesSz cx="6858000" cy="9144000"/>
@@ -224,9 +225,7 @@
               <c:showPercent val="1"/>
               <c:showBubbleSize val="0"/>
               <c:extLst>
-                <c:ext xmlns:c15="http://schemas.microsoft.com/office/drawing/2012/chart" uri="{CE6537A1-D6FC-4f65-9D91-7224C49458BB}">
-                  <c15:layout/>
-                </c:ext>
+                <c:ext xmlns:c15="http://schemas.microsoft.com/office/drawing/2012/chart" uri="{CE6537A1-D6FC-4f65-9D91-7224C49458BB}"/>
                 <c:ext xmlns:c16="http://schemas.microsoft.com/office/drawing/2014/chart" uri="{C3380CC4-5D6E-409C-BE32-E72D297353CC}">
                   <c16:uniqueId val="{00000001-F0FE-42CB-BD93-9B2F6B5849D0}"/>
                 </c:ext>
@@ -248,9 +247,7 @@
               <c:showPercent val="1"/>
               <c:showBubbleSize val="0"/>
               <c:extLst>
-                <c:ext xmlns:c15="http://schemas.microsoft.com/office/drawing/2012/chart" uri="{CE6537A1-D6FC-4f65-9D91-7224C49458BB}">
-                  <c15:layout/>
-                </c:ext>
+                <c:ext xmlns:c15="http://schemas.microsoft.com/office/drawing/2012/chart" uri="{CE6537A1-D6FC-4f65-9D91-7224C49458BB}"/>
                 <c:ext xmlns:c16="http://schemas.microsoft.com/office/drawing/2014/chart" uri="{C3380CC4-5D6E-409C-BE32-E72D297353CC}">
                   <c16:uniqueId val="{00000002-F0FE-42CB-BD93-9B2F6B5849D0}"/>
                 </c:ext>
@@ -365,7 +362,6 @@
     </c:plotArea>
     <c:legend>
       <c:legendPos val="t"/>
-      <c:layout/>
       <c:overlay val="0"/>
       <c:spPr>
         <a:noFill/>
@@ -7439,6 +7435,90 @@
       </p:grpSpPr>
       <p:sp>
         <p:nvSpPr>
+          <p:cNvPr id="2" name="TextBox 1"/>
+          <p:cNvSpPr txBox="1"/>
+          <p:nvPr/>
+        </p:nvSpPr>
+        <p:spPr>
+          <a:xfrm>
+            <a:off x="895928" y="2142836"/>
+            <a:ext cx="9559636" cy="1384995"/>
+          </a:xfrm>
+          <a:prstGeom prst="rect">
+            <a:avLst/>
+          </a:prstGeom>
+          <a:noFill/>
+        </p:spPr>
+        <p:txBody>
+          <a:bodyPr wrap="square" rtlCol="0">
+            <a:spAutoFit/>
+          </a:bodyPr>
+          <a:lstStyle/>
+          <a:p>
+            <a:pPr marL="285750" indent="-285750" algn="ctr">
+              <a:buFont typeface="Arial" panose="020B0604020202020204" pitchFamily="34" charset="0"/>
+              <a:buChar char="•"/>
+            </a:pPr>
+            <a:r>
+              <a:rPr lang="en-US" sz="2800" dirty="0" smtClean="0"/>
+              <a:t>Explain the helper functions used </a:t>
+            </a:r>
+          </a:p>
+          <a:p>
+            <a:pPr marL="285750" indent="-285750" algn="ctr">
+              <a:buFont typeface="Arial" panose="020B0604020202020204" pitchFamily="34" charset="0"/>
+              <a:buChar char="•"/>
+            </a:pPr>
+            <a:r>
+              <a:rPr lang="en-US" sz="2800" dirty="0" smtClean="0"/>
+              <a:t>Define the variables used with their data structure </a:t>
+            </a:r>
+            <a:endParaRPr lang="en-US" sz="2800" dirty="0"/>
+          </a:p>
+          <a:p>
+            <a:pPr marL="285750" indent="-285750" algn="ctr">
+              <a:buFont typeface="Arial" panose="020B0604020202020204" pitchFamily="34" charset="0"/>
+              <a:buChar char="•"/>
+            </a:pPr>
+            <a:r>
+              <a:rPr lang="en-US" sz="2800" dirty="0" smtClean="0"/>
+              <a:t>Explain the implementation details step by step</a:t>
+            </a:r>
+          </a:p>
+        </p:txBody>
+      </p:sp>
+    </p:spTree>
+    <p:extLst>
+      <p:ext uri="{BB962C8B-B14F-4D97-AF65-F5344CB8AC3E}">
+        <p14:creationId xmlns:p14="http://schemas.microsoft.com/office/powerpoint/2010/main" val="4017377780"/>
+      </p:ext>
+    </p:extLst>
+  </p:cSld>
+  <p:clrMapOvr>
+    <a:masterClrMapping/>
+  </p:clrMapOvr>
+</p:sld>
+</file>
+
+<file path=ppt/slides/slide5.xml><?xml version="1.0" encoding="utf-8"?>
+<p:sld xmlns:a="http://schemas.openxmlformats.org/drawingml/2006/main" xmlns:r="http://schemas.openxmlformats.org/officeDocument/2006/relationships" xmlns:p="http://schemas.openxmlformats.org/presentationml/2006/main">
+  <p:cSld>
+    <p:spTree>
+      <p:nvGrpSpPr>
+        <p:cNvPr id="1" name=""/>
+        <p:cNvGrpSpPr/>
+        <p:nvPr/>
+      </p:nvGrpSpPr>
+      <p:grpSpPr>
+        <a:xfrm>
+          <a:off x="0" y="0"/>
+          <a:ext cx="0" cy="0"/>
+          <a:chOff x="0" y="0"/>
+          <a:chExt cx="0" cy="0"/>
+        </a:xfrm>
+      </p:grpSpPr>
+      <p:sp>
+        <p:nvSpPr>
           <p:cNvPr id="2" name="Rectangle 1"/>
           <p:cNvSpPr/>
           <p:nvPr/>
@@ -7536,7 +7616,7 @@
 </p:sld>
 </file>
 
-<file path=ppt/slides/slide5.xml><?xml version="1.0" encoding="utf-8"?>
+<file path=ppt/slides/slide6.xml><?xml version="1.0" encoding="utf-8"?>
 <p:sld xmlns:a="http://schemas.openxmlformats.org/drawingml/2006/main" xmlns:r="http://schemas.openxmlformats.org/officeDocument/2006/relationships" xmlns:p="http://schemas.openxmlformats.org/presentationml/2006/main">
   <p:cSld>
     <p:spTree>
@@ -7761,7 +7841,7 @@
 </p:sld>
 </file>
 
-<file path=ppt/slides/slide6.xml><?xml version="1.0" encoding="utf-8"?>
+<file path=ppt/slides/slide7.xml><?xml version="1.0" encoding="utf-8"?>
 <p:sld xmlns:a="http://schemas.openxmlformats.org/drawingml/2006/main" xmlns:r="http://schemas.openxmlformats.org/officeDocument/2006/relationships" xmlns:p="http://schemas.openxmlformats.org/presentationml/2006/main">
   <p:cSld>
     <p:spTree>
@@ -8970,7 +9050,7 @@
 </p:sld>
 </file>
 
-<file path=ppt/slides/slide7.xml><?xml version="1.0" encoding="utf-8"?>
+<file path=ppt/slides/slide8.xml><?xml version="1.0" encoding="utf-8"?>
 <p:sld xmlns:a="http://schemas.openxmlformats.org/drawingml/2006/main" xmlns:r="http://schemas.openxmlformats.org/officeDocument/2006/relationships" xmlns:p="http://schemas.openxmlformats.org/presentationml/2006/main">
   <p:cSld>
     <p:spTree>

--- a/Documentation/Interim Demo.pptx
+++ b/Documentation/Interim Demo.pptx
@@ -8,11 +8,10 @@
     <p:sldId id="256" r:id="rId2"/>
     <p:sldId id="257" r:id="rId3"/>
     <p:sldId id="258" r:id="rId4"/>
-    <p:sldId id="267" r:id="rId5"/>
-    <p:sldId id="259" r:id="rId6"/>
-    <p:sldId id="262" r:id="rId7"/>
-    <p:sldId id="265" r:id="rId8"/>
-    <p:sldId id="266" r:id="rId9"/>
+    <p:sldId id="259" r:id="rId5"/>
+    <p:sldId id="262" r:id="rId6"/>
+    <p:sldId id="265" r:id="rId7"/>
+    <p:sldId id="266" r:id="rId8"/>
   </p:sldIdLst>
   <p:sldSz cx="12192000" cy="6858000"/>
   <p:notesSz cx="6858000" cy="9144000"/>
@@ -7435,90 +7434,6 @@
       </p:grpSpPr>
       <p:sp>
         <p:nvSpPr>
-          <p:cNvPr id="2" name="TextBox 1"/>
-          <p:cNvSpPr txBox="1"/>
-          <p:nvPr/>
-        </p:nvSpPr>
-        <p:spPr>
-          <a:xfrm>
-            <a:off x="895928" y="2142836"/>
-            <a:ext cx="9559636" cy="1384995"/>
-          </a:xfrm>
-          <a:prstGeom prst="rect">
-            <a:avLst/>
-          </a:prstGeom>
-          <a:noFill/>
-        </p:spPr>
-        <p:txBody>
-          <a:bodyPr wrap="square" rtlCol="0">
-            <a:spAutoFit/>
-          </a:bodyPr>
-          <a:lstStyle/>
-          <a:p>
-            <a:pPr marL="285750" indent="-285750" algn="ctr">
-              <a:buFont typeface="Arial" panose="020B0604020202020204" pitchFamily="34" charset="0"/>
-              <a:buChar char="•"/>
-            </a:pPr>
-            <a:r>
-              <a:rPr lang="en-US" sz="2800" dirty="0" smtClean="0"/>
-              <a:t>Explain the helper functions used </a:t>
-            </a:r>
-          </a:p>
-          <a:p>
-            <a:pPr marL="285750" indent="-285750" algn="ctr">
-              <a:buFont typeface="Arial" panose="020B0604020202020204" pitchFamily="34" charset="0"/>
-              <a:buChar char="•"/>
-            </a:pPr>
-            <a:r>
-              <a:rPr lang="en-US" sz="2800" dirty="0" smtClean="0"/>
-              <a:t>Define the variables used with their data structure </a:t>
-            </a:r>
-            <a:endParaRPr lang="en-US" sz="2800" dirty="0"/>
-          </a:p>
-          <a:p>
-            <a:pPr marL="285750" indent="-285750" algn="ctr">
-              <a:buFont typeface="Arial" panose="020B0604020202020204" pitchFamily="34" charset="0"/>
-              <a:buChar char="•"/>
-            </a:pPr>
-            <a:r>
-              <a:rPr lang="en-US" sz="2800" dirty="0" smtClean="0"/>
-              <a:t>Explain the implementation details step by step</a:t>
-            </a:r>
-          </a:p>
-        </p:txBody>
-      </p:sp>
-    </p:spTree>
-    <p:extLst>
-      <p:ext uri="{BB962C8B-B14F-4D97-AF65-F5344CB8AC3E}">
-        <p14:creationId xmlns:p14="http://schemas.microsoft.com/office/powerpoint/2010/main" val="4017377780"/>
-      </p:ext>
-    </p:extLst>
-  </p:cSld>
-  <p:clrMapOvr>
-    <a:masterClrMapping/>
-  </p:clrMapOvr>
-</p:sld>
-</file>
-
-<file path=ppt/slides/slide5.xml><?xml version="1.0" encoding="utf-8"?>
-<p:sld xmlns:a="http://schemas.openxmlformats.org/drawingml/2006/main" xmlns:r="http://schemas.openxmlformats.org/officeDocument/2006/relationships" xmlns:p="http://schemas.openxmlformats.org/presentationml/2006/main">
-  <p:cSld>
-    <p:spTree>
-      <p:nvGrpSpPr>
-        <p:cNvPr id="1" name=""/>
-        <p:cNvGrpSpPr/>
-        <p:nvPr/>
-      </p:nvGrpSpPr>
-      <p:grpSpPr>
-        <a:xfrm>
-          <a:off x="0" y="0"/>
-          <a:ext cx="0" cy="0"/>
-          <a:chOff x="0" y="0"/>
-          <a:chExt cx="0" cy="0"/>
-        </a:xfrm>
-      </p:grpSpPr>
-      <p:sp>
-        <p:nvSpPr>
           <p:cNvPr id="2" name="Rectangle 1"/>
           <p:cNvSpPr/>
           <p:nvPr/>
@@ -7616,7 +7531,7 @@
 </p:sld>
 </file>
 
-<file path=ppt/slides/slide6.xml><?xml version="1.0" encoding="utf-8"?>
+<file path=ppt/slides/slide5.xml><?xml version="1.0" encoding="utf-8"?>
 <p:sld xmlns:a="http://schemas.openxmlformats.org/drawingml/2006/main" xmlns:r="http://schemas.openxmlformats.org/officeDocument/2006/relationships" xmlns:p="http://schemas.openxmlformats.org/presentationml/2006/main">
   <p:cSld>
     <p:spTree>
@@ -7633,9 +7548,164 @@
           <a:chExt cx="0" cy="0"/>
         </a:xfrm>
       </p:grpSpPr>
+      <p:sp>
+        <p:nvSpPr>
+          <p:cNvPr id="5" name="TextBox 4"/>
+          <p:cNvSpPr txBox="1"/>
+          <p:nvPr/>
+        </p:nvSpPr>
+        <p:spPr>
+          <a:xfrm>
+            <a:off x="1723896" y="5134451"/>
+            <a:ext cx="8318377" cy="1723549"/>
+          </a:xfrm>
+          <a:prstGeom prst="rect">
+            <a:avLst/>
+          </a:prstGeom>
+          <a:solidFill>
+            <a:schemeClr val="bg1"/>
+          </a:solidFill>
+          <a:ln w="57150">
+            <a:solidFill>
+              <a:schemeClr val="tx1"/>
+            </a:solidFill>
+          </a:ln>
+        </p:spPr>
+        <p:txBody>
+          <a:bodyPr wrap="square" rtlCol="0">
+            <a:spAutoFit/>
+          </a:bodyPr>
+          <a:lstStyle/>
+          <a:p>
+            <a:r>
+              <a:rPr lang="en-US" sz="1400" i="1" dirty="0"/>
+              <a:t>Assuming V&lt;E and </a:t>
+            </a:r>
+            <a:r>
+              <a:rPr lang="en-US" sz="1400" i="1" dirty="0" smtClean="0"/>
+              <a:t>V=</a:t>
+            </a:r>
+            <a:r>
+              <a:rPr lang="en-US" sz="1400" i="1" dirty="0" err="1" smtClean="0"/>
+              <a:t>Niwd</a:t>
+            </a:r>
+            <a:endParaRPr lang="en-US" sz="1400" dirty="0"/>
+          </a:p>
+          <a:p>
+            <a:r>
+              <a:rPr lang="en-US" sz="1400" i="1" dirty="0"/>
+              <a:t> </a:t>
+            </a:r>
+            <a:r>
+              <a:rPr lang="en-US" sz="1400" b="1" dirty="0"/>
+              <a:t>Total Complexity </a:t>
+            </a:r>
+            <a:r>
+              <a:rPr lang="en-US" sz="1100" dirty="0"/>
+              <a:t>= </a:t>
+            </a:r>
+            <a:r>
+              <a:rPr lang="en-US" sz="1400" dirty="0"/>
+              <a:t>O (V)*O(E)*O(</a:t>
+            </a:r>
+            <a:r>
+              <a:rPr lang="en-US" sz="1400" dirty="0" err="1"/>
+              <a:t>Niwd</a:t>
+            </a:r>
+            <a:r>
+              <a:rPr lang="en-US" sz="1400" dirty="0"/>
+              <a:t>)*O(</a:t>
+            </a:r>
+            <a:r>
+              <a:rPr lang="en-US" sz="1400" dirty="0" err="1"/>
+              <a:t>itermax</a:t>
+            </a:r>
+            <a:r>
+              <a:rPr lang="en-US" sz="1400" dirty="0"/>
+              <a:t>)</a:t>
+            </a:r>
+          </a:p>
+          <a:p>
+            <a:r>
+              <a:rPr lang="en-US" dirty="0"/>
+              <a:t>			</a:t>
+            </a:r>
+            <a:r>
+              <a:rPr lang="en-US" sz="1600" dirty="0"/>
+              <a:t>= </a:t>
+            </a:r>
+            <a:r>
+              <a:rPr lang="en-US" sz="1600" b="1" dirty="0"/>
+              <a:t>O(V</a:t>
+            </a:r>
+            <a:r>
+              <a:rPr lang="en-US" sz="1600" b="1" baseline="30000" dirty="0"/>
+              <a:t>2</a:t>
+            </a:r>
+            <a:r>
+              <a:rPr lang="en-US" sz="1600" b="1" dirty="0"/>
+              <a:t>E* </a:t>
+            </a:r>
+            <a:r>
+              <a:rPr lang="en-US" sz="1600" b="1" dirty="0" err="1"/>
+              <a:t>itermax</a:t>
+            </a:r>
+            <a:r>
+              <a:rPr lang="en-US" sz="1600" b="1" dirty="0"/>
+              <a:t>)</a:t>
+            </a:r>
+          </a:p>
+          <a:p>
+            <a:r>
+              <a:rPr lang="en-US" sz="1400" i="1" dirty="0" smtClean="0"/>
+              <a:t>For </a:t>
+            </a:r>
+            <a:r>
+              <a:rPr lang="en-US" sz="1400" i="1" dirty="0"/>
+              <a:t>further details, see the File “Complexity Analysis Unweighted Graph.py” on </a:t>
+            </a:r>
+            <a:r>
+              <a:rPr lang="en-US" sz="1400" i="1" dirty="0" err="1"/>
+              <a:t>Git</a:t>
+            </a:r>
+            <a:r>
+              <a:rPr lang="en-US" sz="1400" i="1" dirty="0"/>
+              <a:t> -&gt; Code.</a:t>
+            </a:r>
+            <a:endParaRPr lang="en-US" sz="1400" dirty="0"/>
+          </a:p>
+          <a:p>
+            <a:r>
+              <a:rPr lang="en-US" sz="1400" dirty="0"/>
+              <a:t>          In evaluating the space complexity, we will just consider the data space. </a:t>
+            </a:r>
+          </a:p>
+          <a:p>
+            <a:r>
+              <a:rPr lang="en-US" sz="1400" dirty="0"/>
+              <a:t>    </a:t>
+            </a:r>
+            <a:r>
+              <a:rPr lang="en-US" sz="1400" b="1" dirty="0"/>
+              <a:t>Total Space Complexity </a:t>
+            </a:r>
+            <a:r>
+              <a:rPr lang="en-US" sz="1400" dirty="0"/>
+              <a:t>= 18 + 3 + 10+ 2+ 2 +1 +1 = </a:t>
+            </a:r>
+            <a:r>
+              <a:rPr lang="en-US" sz="1400" b="1" dirty="0"/>
+              <a:t>37 Words</a:t>
+            </a:r>
+          </a:p>
+          <a:p>
+            <a:endParaRPr lang="en-US" sz="1400" b="1" dirty="0"/>
+          </a:p>
+        </p:txBody>
+      </p:sp>
       <p:pic>
         <p:nvPicPr>
-          <p:cNvPr id="4" name="Picture 3"/>
+          <p:cNvPr id="3" name="Picture 2"/>
           <p:cNvPicPr>
             <a:picLocks noChangeAspect="1"/>
           </p:cNvPicPr>
@@ -7649,166 +7719,14 @@
         </p:blipFill>
         <p:spPr>
           <a:xfrm>
-            <a:off x="1464815" y="446872"/>
-            <a:ext cx="8584707" cy="5004017"/>
+            <a:off x="1723896" y="288747"/>
+            <a:ext cx="8066541" cy="5167958"/>
           </a:xfrm>
           <a:prstGeom prst="rect">
             <a:avLst/>
           </a:prstGeom>
         </p:spPr>
       </p:pic>
-      <p:sp>
-        <p:nvSpPr>
-          <p:cNvPr id="5" name="TextBox 4"/>
-          <p:cNvSpPr txBox="1"/>
-          <p:nvPr/>
-        </p:nvSpPr>
-        <p:spPr>
-          <a:xfrm>
-            <a:off x="1597979" y="5149048"/>
-            <a:ext cx="8318377" cy="1600438"/>
-          </a:xfrm>
-          <a:prstGeom prst="rect">
-            <a:avLst/>
-          </a:prstGeom>
-          <a:solidFill>
-            <a:schemeClr val="bg1"/>
-          </a:solidFill>
-          <a:ln w="57150">
-            <a:solidFill>
-              <a:schemeClr val="tx1"/>
-            </a:solidFill>
-          </a:ln>
-        </p:spPr>
-        <p:txBody>
-          <a:bodyPr wrap="square" rtlCol="0">
-            <a:spAutoFit/>
-          </a:bodyPr>
-          <a:lstStyle/>
-          <a:p>
-            <a:r>
-              <a:rPr lang="en-US" sz="1400" i="1" dirty="0"/>
-              <a:t>Assuming V&lt;E and </a:t>
-            </a:r>
-            <a:r>
-              <a:rPr lang="en-US" sz="1400" i="1" dirty="0" smtClean="0"/>
-              <a:t>V=</a:t>
-            </a:r>
-            <a:r>
-              <a:rPr lang="en-US" sz="1400" i="1" dirty="0" err="1" smtClean="0"/>
-              <a:t>Niwd</a:t>
-            </a:r>
-            <a:endParaRPr lang="en-US" sz="1400" dirty="0"/>
-          </a:p>
-          <a:p>
-            <a:r>
-              <a:rPr lang="en-US" sz="1400" i="1" dirty="0"/>
-              <a:t> </a:t>
-            </a:r>
-            <a:r>
-              <a:rPr lang="en-US" sz="1400" b="1" dirty="0"/>
-              <a:t>Total Complexity </a:t>
-            </a:r>
-            <a:r>
-              <a:rPr lang="en-US" sz="1400" dirty="0"/>
-              <a:t>= O(E)*O(</a:t>
-            </a:r>
-            <a:r>
-              <a:rPr lang="en-US" sz="1400" dirty="0" err="1"/>
-              <a:t>Niwd</a:t>
-            </a:r>
-            <a:r>
-              <a:rPr lang="en-US" sz="1400" dirty="0"/>
-              <a:t>)*O(</a:t>
-            </a:r>
-            <a:r>
-              <a:rPr lang="en-US" sz="1400" dirty="0" err="1"/>
-              <a:t>itermax</a:t>
-            </a:r>
-            <a:r>
-              <a:rPr lang="en-US" sz="1400" dirty="0"/>
-              <a:t>)</a:t>
-            </a:r>
-          </a:p>
-          <a:p>
-            <a:r>
-              <a:rPr lang="en-US" sz="1400" dirty="0"/>
-              <a:t>			</a:t>
-            </a:r>
-            <a:r>
-              <a:rPr lang="en-US" sz="1400" b="1" dirty="0"/>
-              <a:t>O(E*</a:t>
-            </a:r>
-            <a:r>
-              <a:rPr lang="en-US" sz="1400" b="1" dirty="0" err="1"/>
-              <a:t>Niwd</a:t>
-            </a:r>
-            <a:r>
-              <a:rPr lang="en-US" sz="1400" b="1" dirty="0"/>
-              <a:t>*</a:t>
-            </a:r>
-            <a:r>
-              <a:rPr lang="en-US" sz="1400" b="1" dirty="0" err="1"/>
-              <a:t>itermax</a:t>
-            </a:r>
-            <a:r>
-              <a:rPr lang="en-US" sz="1400" b="1" dirty="0"/>
-              <a:t>) or O(E*V*</a:t>
-            </a:r>
-            <a:r>
-              <a:rPr lang="en-US" sz="1400" b="1" dirty="0" err="1"/>
-              <a:t>itermax</a:t>
-            </a:r>
-            <a:r>
-              <a:rPr lang="en-US" sz="1400" b="1" dirty="0" smtClean="0"/>
-              <a:t>)</a:t>
-            </a:r>
-            <a:endParaRPr lang="en-US" sz="1400" b="1" dirty="0"/>
-          </a:p>
-          <a:p>
-            <a:r>
-              <a:rPr lang="en-US" sz="1400" i="1" dirty="0"/>
-              <a:t>For further details, see the File “Complexity Analysis Unweighted Graph.py” on </a:t>
-            </a:r>
-            <a:r>
-              <a:rPr lang="en-US" sz="1400" i="1" dirty="0" err="1"/>
-              <a:t>Git</a:t>
-            </a:r>
-            <a:r>
-              <a:rPr lang="en-US" sz="1400" i="1" dirty="0"/>
-              <a:t> -&gt; Code.</a:t>
-            </a:r>
-            <a:endParaRPr lang="en-US" sz="1400" dirty="0"/>
-          </a:p>
-          <a:p>
-            <a:r>
-              <a:rPr lang="en-US" sz="1400" dirty="0"/>
-              <a:t>          In evaluating the space complexity, we will just consider the data space. </a:t>
-            </a:r>
-          </a:p>
-          <a:p>
-            <a:r>
-              <a:rPr lang="en-US" sz="1400" dirty="0"/>
-              <a:t>    </a:t>
-            </a:r>
-            <a:r>
-              <a:rPr lang="en-US" sz="1400" b="1" dirty="0"/>
-              <a:t>Total Space Complexity </a:t>
-            </a:r>
-            <a:r>
-              <a:rPr lang="en-US" sz="1400" dirty="0"/>
-              <a:t>= 18 + 3 + 10+ 2+ 2 +1 +1 = </a:t>
-            </a:r>
-            <a:r>
-              <a:rPr lang="en-US" sz="1400" b="1" dirty="0"/>
-              <a:t>37 Words</a:t>
-            </a:r>
-          </a:p>
-          <a:p>
-            <a:endParaRPr lang="en-US" sz="1400" b="1" dirty="0"/>
-          </a:p>
-        </p:txBody>
-      </p:sp>
     </p:spTree>
     <p:extLst>
       <p:ext uri="{BB962C8B-B14F-4D97-AF65-F5344CB8AC3E}">
@@ -7841,7 +7759,7 @@
 </p:sld>
 </file>
 
-<file path=ppt/slides/slide7.xml><?xml version="1.0" encoding="utf-8"?>
+<file path=ppt/slides/slide6.xml><?xml version="1.0" encoding="utf-8"?>
 <p:sld xmlns:a="http://schemas.openxmlformats.org/drawingml/2006/main" xmlns:r="http://schemas.openxmlformats.org/officeDocument/2006/relationships" xmlns:p="http://schemas.openxmlformats.org/presentationml/2006/main">
   <p:cSld>
     <p:spTree>
@@ -9050,7 +8968,7 @@
 </p:sld>
 </file>
 
-<file path=ppt/slides/slide8.xml><?xml version="1.0" encoding="utf-8"?>
+<file path=ppt/slides/slide7.xml><?xml version="1.0" encoding="utf-8"?>
 <p:sld xmlns:a="http://schemas.openxmlformats.org/drawingml/2006/main" xmlns:r="http://schemas.openxmlformats.org/officeDocument/2006/relationships" xmlns:p="http://schemas.openxmlformats.org/presentationml/2006/main">
   <p:cSld>
     <p:spTree>
